--- a/プレゼン.pptx
+++ b/プレゼン.pptx
@@ -5,7 +5,7 @@
     <p:sldMasterId id="2147483648" r:id="rId1"/>
   </p:sldMasterIdLst>
   <p:notesMasterIdLst>
-    <p:notesMasterId r:id="rId9"/>
+    <p:notesMasterId r:id="rId8"/>
   </p:notesMasterIdLst>
   <p:sldIdLst>
     <p:sldId id="256" r:id="rId2"/>
@@ -14,7 +14,6 @@
     <p:sldId id="262" r:id="rId5"/>
     <p:sldId id="257" r:id="rId6"/>
     <p:sldId id="260" r:id="rId7"/>
-    <p:sldId id="261" r:id="rId8"/>
   </p:sldIdLst>
   <p:sldSz cx="12192000" cy="6858000"/>
   <p:notesSz cx="6858000" cy="9144000"/>
@@ -113,6 +112,11 @@
       </a:defRPr>
     </a:lvl9pPr>
   </p:defaultTextStyle>
+  <p:extLst>
+    <p:ext uri="{EFAFB233-063F-42B5-8137-9DF3F51BA10A}">
+      <p15:sldGuideLst xmlns:p15="http://schemas.microsoft.com/office/powerpoint/2012/main"/>
+    </p:ext>
+  </p:extLst>
 </p:presentation>
 </file>
 
@@ -198,7 +202,7 @@
           <a:p>
             <a:fld id="{15151F94-B430-4360-9A44-0FFB898CA081}" type="datetimeFigureOut">
               <a:rPr kumimoji="1" lang="ja-JP" altLang="en-US" smtClean="0"/>
-              <a:t>2024/7/16</a:t>
+              <a:t>2024/9/12</a:t>
             </a:fld>
             <a:endParaRPr kumimoji="1" lang="ja-JP" altLang="en-US"/>
           </a:p>
@@ -1202,6 +1206,19 @@
             </a:r>
             <a:endParaRPr kumimoji="1" lang="en-US" altLang="ja-JP" dirty="0"/>
           </a:p>
+          <a:p>
+            <a:r>
+              <a:rPr kumimoji="1" lang="ja-JP" altLang="en-US" dirty="0"/>
+              <a:t>入力するとウィンドウに表示され、更新した情報「名前、メッセージ、時間」がウィンドウ内に表示されるようにしています</a:t>
+            </a:r>
+            <a:endParaRPr kumimoji="1" lang="en-US" altLang="ja-JP" dirty="0"/>
+          </a:p>
+          <a:p>
+            <a:r>
+              <a:rPr kumimoji="1" lang="ja-JP" altLang="en-US" dirty="0"/>
+              <a:t>別日にコメント入力しても、メッセージの表示が割込み入力されないようにしています</a:t>
+            </a:r>
+          </a:p>
         </p:txBody>
       </p:sp>
       <p:sp>
@@ -1231,100 +1248,6 @@
     <p:extLst>
       <p:ext uri="{BB962C8B-B14F-4D97-AF65-F5344CB8AC3E}">
         <p14:creationId xmlns:p14="http://schemas.microsoft.com/office/powerpoint/2010/main" val="2109223899"/>
-      </p:ext>
-    </p:extLst>
-  </p:cSld>
-  <p:clrMapOvr>
-    <a:masterClrMapping/>
-  </p:clrMapOvr>
-</p:notes>
-</file>
-
-<file path=ppt/notesSlides/notesSlide7.xml><?xml version="1.0" encoding="utf-8"?>
-<p:notes xmlns:a="http://schemas.openxmlformats.org/drawingml/2006/main" xmlns:r="http://schemas.openxmlformats.org/officeDocument/2006/relationships" xmlns:p="http://schemas.openxmlformats.org/presentationml/2006/main">
-  <p:cSld>
-    <p:spTree>
-      <p:nvGrpSpPr>
-        <p:cNvPr id="1" name=""/>
-        <p:cNvGrpSpPr/>
-        <p:nvPr/>
-      </p:nvGrpSpPr>
-      <p:grpSpPr>
-        <a:xfrm>
-          <a:off x="0" y="0"/>
-          <a:ext cx="0" cy="0"/>
-          <a:chOff x="0" y="0"/>
-          <a:chExt cx="0" cy="0"/>
-        </a:xfrm>
-      </p:grpSpPr>
-      <p:sp>
-        <p:nvSpPr>
-          <p:cNvPr id="2" name="スライド イメージ プレースホルダー 1"/>
-          <p:cNvSpPr>
-            <a:spLocks noGrp="1" noRot="1" noChangeAspect="1"/>
-          </p:cNvSpPr>
-          <p:nvPr>
-            <p:ph type="sldImg"/>
-          </p:nvPr>
-        </p:nvSpPr>
-        <p:spPr/>
-      </p:sp>
-      <p:sp>
-        <p:nvSpPr>
-          <p:cNvPr id="3" name="ノート プレースホルダー 2"/>
-          <p:cNvSpPr>
-            <a:spLocks noGrp="1"/>
-          </p:cNvSpPr>
-          <p:nvPr>
-            <p:ph type="body" idx="1"/>
-          </p:nvPr>
-        </p:nvSpPr>
-        <p:spPr/>
-        <p:txBody>
-          <a:bodyPr/>
-          <a:lstStyle/>
-          <a:p>
-            <a:r>
-              <a:rPr kumimoji="1" lang="ja-JP" altLang="en-US" dirty="0"/>
-              <a:t>入力するとウィンドウに表示され、更新した情報「名前、メッセージ、時間」がウィンドウ内に表示されるようにしています</a:t>
-            </a:r>
-            <a:endParaRPr kumimoji="1" lang="en-US" altLang="ja-JP" dirty="0"/>
-          </a:p>
-          <a:p>
-            <a:r>
-              <a:rPr kumimoji="1" lang="ja-JP" altLang="en-US" dirty="0"/>
-              <a:t>別日にコメント入力しても、メッセージの表示が割込み入力されないようにしています</a:t>
-            </a:r>
-          </a:p>
-        </p:txBody>
-      </p:sp>
-      <p:sp>
-        <p:nvSpPr>
-          <p:cNvPr id="4" name="スライド番号プレースホルダー 3"/>
-          <p:cNvSpPr>
-            <a:spLocks noGrp="1"/>
-          </p:cNvSpPr>
-          <p:nvPr>
-            <p:ph type="sldNum" sz="quarter" idx="5"/>
-          </p:nvPr>
-        </p:nvSpPr>
-        <p:spPr/>
-        <p:txBody>
-          <a:bodyPr/>
-          <a:lstStyle/>
-          <a:p>
-            <a:fld id="{ED9124C7-A5D6-4683-8ED6-F1F5B09ECF95}" type="slidenum">
-              <a:rPr kumimoji="1" lang="ja-JP" altLang="en-US" smtClean="0"/>
-              <a:t>7</a:t>
-            </a:fld>
-            <a:endParaRPr kumimoji="1" lang="ja-JP" altLang="en-US"/>
-          </a:p>
-        </p:txBody>
-      </p:sp>
-    </p:spTree>
-    <p:extLst>
-      <p:ext uri="{BB962C8B-B14F-4D97-AF65-F5344CB8AC3E}">
-        <p14:creationId xmlns:p14="http://schemas.microsoft.com/office/powerpoint/2010/main" val="2148281867"/>
       </p:ext>
     </p:extLst>
   </p:cSld>
@@ -1481,7 +1404,7 @@
           <a:p>
             <a:fld id="{724715FE-B674-476C-BF52-73267CFAC7F5}" type="datetimeFigureOut">
               <a:rPr kumimoji="1" lang="ja-JP" altLang="en-US" smtClean="0"/>
-              <a:t>2024/7/16</a:t>
+              <a:t>2024/9/12</a:t>
             </a:fld>
             <a:endParaRPr kumimoji="1" lang="ja-JP" altLang="en-US"/>
           </a:p>
@@ -1711,7 +1634,7 @@
           <a:p>
             <a:fld id="{724715FE-B674-476C-BF52-73267CFAC7F5}" type="datetimeFigureOut">
               <a:rPr kumimoji="1" lang="ja-JP" altLang="en-US" smtClean="0"/>
-              <a:t>2024/7/16</a:t>
+              <a:t>2024/9/12</a:t>
             </a:fld>
             <a:endParaRPr kumimoji="1" lang="ja-JP" altLang="en-US"/>
           </a:p>
@@ -1951,7 +1874,7 @@
           <a:p>
             <a:fld id="{724715FE-B674-476C-BF52-73267CFAC7F5}" type="datetimeFigureOut">
               <a:rPr kumimoji="1" lang="ja-JP" altLang="en-US" smtClean="0"/>
-              <a:t>2024/7/16</a:t>
+              <a:t>2024/9/12</a:t>
             </a:fld>
             <a:endParaRPr kumimoji="1" lang="ja-JP" altLang="en-US"/>
           </a:p>
@@ -2181,7 +2104,7 @@
           <a:p>
             <a:fld id="{724715FE-B674-476C-BF52-73267CFAC7F5}" type="datetimeFigureOut">
               <a:rPr kumimoji="1" lang="ja-JP" altLang="en-US" smtClean="0"/>
-              <a:t>2024/7/16</a:t>
+              <a:t>2024/9/12</a:t>
             </a:fld>
             <a:endParaRPr kumimoji="1" lang="ja-JP" altLang="en-US"/>
           </a:p>
@@ -2456,7 +2379,7 @@
           <a:p>
             <a:fld id="{724715FE-B674-476C-BF52-73267CFAC7F5}" type="datetimeFigureOut">
               <a:rPr kumimoji="1" lang="ja-JP" altLang="en-US" smtClean="0"/>
-              <a:t>2024/7/16</a:t>
+              <a:t>2024/9/12</a:t>
             </a:fld>
             <a:endParaRPr kumimoji="1" lang="ja-JP" altLang="en-US"/>
           </a:p>
@@ -2785,7 +2708,7 @@
           <a:p>
             <a:fld id="{724715FE-B674-476C-BF52-73267CFAC7F5}" type="datetimeFigureOut">
               <a:rPr kumimoji="1" lang="ja-JP" altLang="en-US" smtClean="0"/>
-              <a:t>2024/7/16</a:t>
+              <a:t>2024/9/12</a:t>
             </a:fld>
             <a:endParaRPr kumimoji="1" lang="ja-JP" altLang="en-US"/>
           </a:p>
@@ -3261,7 +3184,7 @@
           <a:p>
             <a:fld id="{724715FE-B674-476C-BF52-73267CFAC7F5}" type="datetimeFigureOut">
               <a:rPr kumimoji="1" lang="ja-JP" altLang="en-US" smtClean="0"/>
-              <a:t>2024/7/16</a:t>
+              <a:t>2024/9/12</a:t>
             </a:fld>
             <a:endParaRPr kumimoji="1" lang="ja-JP" altLang="en-US"/>
           </a:p>
@@ -3402,7 +3325,7 @@
           <a:p>
             <a:fld id="{724715FE-B674-476C-BF52-73267CFAC7F5}" type="datetimeFigureOut">
               <a:rPr kumimoji="1" lang="ja-JP" altLang="en-US" smtClean="0"/>
-              <a:t>2024/7/16</a:t>
+              <a:t>2024/9/12</a:t>
             </a:fld>
             <a:endParaRPr kumimoji="1" lang="ja-JP" altLang="en-US"/>
           </a:p>
@@ -3515,7 +3438,7 @@
           <a:p>
             <a:fld id="{724715FE-B674-476C-BF52-73267CFAC7F5}" type="datetimeFigureOut">
               <a:rPr kumimoji="1" lang="ja-JP" altLang="en-US" smtClean="0"/>
-              <a:t>2024/7/16</a:t>
+              <a:t>2024/9/12</a:t>
             </a:fld>
             <a:endParaRPr kumimoji="1" lang="ja-JP" altLang="en-US"/>
           </a:p>
@@ -3858,7 +3781,7 @@
           <a:p>
             <a:fld id="{724715FE-B674-476C-BF52-73267CFAC7F5}" type="datetimeFigureOut">
               <a:rPr kumimoji="1" lang="ja-JP" altLang="en-US" smtClean="0"/>
-              <a:t>2024/7/16</a:t>
+              <a:t>2024/9/12</a:t>
             </a:fld>
             <a:endParaRPr kumimoji="1" lang="ja-JP" altLang="en-US"/>
           </a:p>
@@ -4146,7 +4069,7 @@
           <a:p>
             <a:fld id="{724715FE-B674-476C-BF52-73267CFAC7F5}" type="datetimeFigureOut">
               <a:rPr kumimoji="1" lang="ja-JP" altLang="en-US" smtClean="0"/>
-              <a:t>2024/7/16</a:t>
+              <a:t>2024/9/12</a:t>
             </a:fld>
             <a:endParaRPr kumimoji="1" lang="ja-JP" altLang="en-US"/>
           </a:p>
@@ -4419,7 +4342,7 @@
           <a:p>
             <a:fld id="{724715FE-B674-476C-BF52-73267CFAC7F5}" type="datetimeFigureOut">
               <a:rPr kumimoji="1" lang="ja-JP" altLang="en-US" smtClean="0"/>
-              <a:t>2024/7/16</a:t>
+              <a:t>2024/9/12</a:t>
             </a:fld>
             <a:endParaRPr kumimoji="1" lang="ja-JP" altLang="en-US"/>
           </a:p>
@@ -4864,8 +4787,8 @@
         </p:blipFill>
         <p:spPr>
           <a:xfrm>
-            <a:off x="1936905" y="314294"/>
-            <a:ext cx="8601699" cy="4943505"/>
+            <a:off x="2651702" y="638043"/>
+            <a:ext cx="6888596" cy="3958963"/>
           </a:xfrm>
           <a:prstGeom prst="rect">
             <a:avLst/>
@@ -4890,39 +4813,379 @@
         </p:nvSpPr>
         <p:spPr>
           <a:xfrm>
-            <a:off x="3955211" y="4983910"/>
-            <a:ext cx="4281577" cy="547777"/>
+            <a:off x="3605857" y="4597006"/>
+            <a:ext cx="4980285" cy="646331"/>
           </a:xfrm>
         </p:spPr>
         <p:txBody>
-          <a:bodyPr>
-            <a:normAutofit fontScale="92500"/>
+          <a:bodyPr anchor="ctr">
+            <a:normAutofit/>
           </a:bodyPr>
           <a:lstStyle/>
           <a:p>
-            <a:r>
-              <a:rPr kumimoji="1" lang="en-US" altLang="ja-JP" dirty="0">
+            <a:pPr>
+              <a:lnSpc>
+                <a:spcPct val="100000"/>
+              </a:lnSpc>
+            </a:pPr>
+            <a:r>
+              <a:rPr lang="ja-JP" altLang="en-US" sz="2000" dirty="0" err="1">
                 <a:solidFill>
                   <a:srgbClr val="460000"/>
                 </a:solidFill>
+                <a:latin typeface="HGS創英角ﾎﾟｯﾌﾟ体" panose="040B0A00000000000000" pitchFamily="50" charset="-128"/>
+                <a:ea typeface="HGS創英角ﾎﾟｯﾌﾟ体" panose="040B0A00000000000000" pitchFamily="50" charset="-128"/>
+              </a:rPr>
+              <a:t>ー</a:t>
+            </a:r>
+            <a:r>
+              <a:rPr lang="ja-JP" altLang="en-US" sz="2000" dirty="0">
+                <a:solidFill>
+                  <a:srgbClr val="460000"/>
+                </a:solidFill>
+                <a:latin typeface="HGS創英角ﾎﾟｯﾌﾟ体" panose="040B0A00000000000000" pitchFamily="50" charset="-128"/>
+                <a:ea typeface="HGS創英角ﾎﾟｯﾌﾟ体" panose="040B0A00000000000000" pitchFamily="50" charset="-128"/>
+              </a:rPr>
+              <a:t> </a:t>
+            </a:r>
+            <a:r>
+              <a:rPr lang="en-US" altLang="ja-JP" sz="2000" dirty="0">
+                <a:solidFill>
+                  <a:srgbClr val="460000"/>
+                </a:solidFill>
+                <a:latin typeface="HGS創英角ﾎﾟｯﾌﾟ体" panose="040B0A00000000000000" pitchFamily="50" charset="-128"/>
+                <a:ea typeface="HGS創英角ﾎﾟｯﾌﾟ体" panose="040B0A00000000000000" pitchFamily="50" charset="-128"/>
               </a:rPr>
               <a:t>IVY</a:t>
             </a:r>
+            <a:r>
+              <a:rPr lang="ja-JP" altLang="en-US" sz="2000" dirty="0">
+                <a:solidFill>
+                  <a:srgbClr val="460000"/>
+                </a:solidFill>
+                <a:latin typeface="HGS創英角ﾎﾟｯﾌﾟ体" panose="040B0A00000000000000" pitchFamily="50" charset="-128"/>
+                <a:ea typeface="HGS創英角ﾎﾟｯﾌﾟ体" panose="040B0A00000000000000" pitchFamily="50" charset="-128"/>
+              </a:rPr>
+              <a:t>学生に向けたチャット機能 </a:t>
+            </a:r>
+            <a:r>
+              <a:rPr lang="ja-JP" altLang="en-US" sz="2000" dirty="0" err="1">
+                <a:solidFill>
+                  <a:srgbClr val="460000"/>
+                </a:solidFill>
+                <a:latin typeface="HGS創英角ﾎﾟｯﾌﾟ体" panose="040B0A00000000000000" pitchFamily="50" charset="-128"/>
+                <a:ea typeface="HGS創英角ﾎﾟｯﾌﾟ体" panose="040B0A00000000000000" pitchFamily="50" charset="-128"/>
+              </a:rPr>
+              <a:t>ー</a:t>
+            </a:r>
+            <a:endParaRPr lang="ja-JP" altLang="en-US" sz="2000" dirty="0">
+              <a:solidFill>
+                <a:srgbClr val="460000"/>
+              </a:solidFill>
+              <a:latin typeface="HGS創英角ﾎﾟｯﾌﾟ体" panose="040B0A00000000000000" pitchFamily="50" charset="-128"/>
+              <a:ea typeface="HGS創英角ﾎﾟｯﾌﾟ体" panose="040B0A00000000000000" pitchFamily="50" charset="-128"/>
+            </a:endParaRPr>
+          </a:p>
+        </p:txBody>
+      </p:sp>
+      <p:sp>
+        <p:nvSpPr>
+          <p:cNvPr id="2" name="テキスト ボックス 1">
+            <a:extLst>
+              <a:ext uri="{FF2B5EF4-FFF2-40B4-BE49-F238E27FC236}">
+                <a16:creationId xmlns:a16="http://schemas.microsoft.com/office/drawing/2014/main" id="{C7692F93-8B1E-4E5D-9E47-AA6616FDAF0A}"/>
+              </a:ext>
+            </a:extLst>
+          </p:cNvPr>
+          <p:cNvSpPr txBox="1"/>
+          <p:nvPr/>
+        </p:nvSpPr>
+        <p:spPr>
+          <a:xfrm>
+            <a:off x="7211715" y="5418672"/>
+            <a:ext cx="4980285" cy="646331"/>
+          </a:xfrm>
+          <a:prstGeom prst="rect">
+            <a:avLst/>
+          </a:prstGeom>
+          <a:noFill/>
+        </p:spPr>
+        <p:txBody>
+          <a:bodyPr wrap="square" rtlCol="0">
+            <a:spAutoFit/>
+          </a:bodyPr>
+          <a:lstStyle/>
+          <a:p>
+            <a:pPr algn="ctr"/>
             <a:r>
               <a:rPr lang="ja-JP" altLang="en-US" dirty="0">
                 <a:solidFill>
                   <a:srgbClr val="460000"/>
                 </a:solidFill>
+                <a:latin typeface="HGS創英角ﾎﾟｯﾌﾟ体" panose="040B0A00000000000000" pitchFamily="50" charset="-128"/>
+                <a:ea typeface="HGS創英角ﾎﾟｯﾌﾟ体" panose="040B0A00000000000000" pitchFamily="50" charset="-128"/>
               </a:rPr>
-              <a:t>学生に向けた</a:t>
-            </a:r>
-            <a:r>
-              <a:rPr kumimoji="1" lang="ja-JP" altLang="en-US" dirty="0">
+              <a:t>２０２４年９月２０日　</a:t>
+            </a:r>
+            <a:endParaRPr lang="en-US" altLang="ja-JP" dirty="0">
+              <a:solidFill>
+                <a:srgbClr val="460000"/>
+              </a:solidFill>
+              <a:latin typeface="HGS創英角ﾎﾟｯﾌﾟ体" panose="040B0A00000000000000" pitchFamily="50" charset="-128"/>
+              <a:ea typeface="HGS創英角ﾎﾟｯﾌﾟ体" panose="040B0A00000000000000" pitchFamily="50" charset="-128"/>
+            </a:endParaRPr>
+          </a:p>
+          <a:p>
+            <a:pPr algn="ctr"/>
+            <a:r>
+              <a:rPr lang="ja-JP" altLang="en-US" dirty="0">
                 <a:solidFill>
                   <a:srgbClr val="460000"/>
                 </a:solidFill>
+                <a:latin typeface="HGS創英角ﾎﾟｯﾌﾟ体" panose="040B0A00000000000000" pitchFamily="50" charset="-128"/>
+                <a:ea typeface="HGS創英角ﾎﾟｯﾌﾟ体" panose="040B0A00000000000000" pitchFamily="50" charset="-128"/>
               </a:rPr>
-              <a:t>チャット機能</a:t>
+              <a:t>チーム</a:t>
+            </a:r>
+            <a:r>
+              <a:rPr lang="en-US" altLang="ja-JP" dirty="0">
+                <a:solidFill>
+                  <a:srgbClr val="460000"/>
+                </a:solidFill>
+                <a:latin typeface="HGS創英角ﾎﾟｯﾌﾟ体" panose="040B0A00000000000000" pitchFamily="50" charset="-128"/>
+                <a:ea typeface="HGS創英角ﾎﾟｯﾌﾟ体" panose="040B0A00000000000000" pitchFamily="50" charset="-128"/>
+              </a:rPr>
+              <a:t>K</a:t>
+            </a:r>
+            <a:r>
+              <a:rPr lang="ja-JP" altLang="en-US" dirty="0">
+                <a:solidFill>
+                  <a:srgbClr val="460000"/>
+                </a:solidFill>
+                <a:latin typeface="HGS創英角ﾎﾟｯﾌﾟ体" panose="040B0A00000000000000" pitchFamily="50" charset="-128"/>
+                <a:ea typeface="HGS創英角ﾎﾟｯﾌﾟ体" panose="040B0A00000000000000" pitchFamily="50" charset="-128"/>
+              </a:rPr>
+              <a:t>（牧・上原）</a:t>
+            </a:r>
+          </a:p>
+        </p:txBody>
+      </p:sp>
+      <p:sp>
+        <p:nvSpPr>
+          <p:cNvPr id="5" name="字幕 2">
+            <a:extLst>
+              <a:ext uri="{FF2B5EF4-FFF2-40B4-BE49-F238E27FC236}">
+                <a16:creationId xmlns:a16="http://schemas.microsoft.com/office/drawing/2014/main" id="{BA733B23-1D9E-48EA-A61B-6DC209308698}"/>
+              </a:ext>
+            </a:extLst>
+          </p:cNvPr>
+          <p:cNvSpPr txBox="1">
+            <a:spLocks/>
+          </p:cNvSpPr>
+          <p:nvPr/>
+        </p:nvSpPr>
+        <p:spPr>
+          <a:xfrm>
+            <a:off x="0" y="638043"/>
+            <a:ext cx="4980285" cy="646331"/>
+          </a:xfrm>
+          <a:prstGeom prst="rect">
+            <a:avLst/>
+          </a:prstGeom>
+        </p:spPr>
+        <p:txBody>
+          <a:bodyPr vert="horz" lIns="91440" tIns="45720" rIns="91440" bIns="45720" rtlCol="0" anchor="ctr">
+            <a:normAutofit/>
+          </a:bodyPr>
+          <a:lstStyle>
+            <a:lvl1pPr marL="0" indent="0" algn="ctr" defTabSz="914400" rtl="0" eaLnBrk="1" latinLnBrk="0" hangingPunct="1">
+              <a:lnSpc>
+                <a:spcPct val="90000"/>
+              </a:lnSpc>
+              <a:spcBef>
+                <a:spcPts val="1000"/>
+              </a:spcBef>
+              <a:buFont typeface="Arial" panose="020B0604020202020204" pitchFamily="34" charset="0"/>
+              <a:buNone/>
+              <a:defRPr kumimoji="1" sz="2400" kern="1200">
+                <a:solidFill>
+                  <a:schemeClr val="tx1"/>
+                </a:solidFill>
+                <a:latin typeface="+mn-lt"/>
+                <a:ea typeface="+mn-ea"/>
+                <a:cs typeface="+mn-cs"/>
+              </a:defRPr>
+            </a:lvl1pPr>
+            <a:lvl2pPr marL="457200" indent="0" algn="ctr" defTabSz="914400" rtl="0" eaLnBrk="1" latinLnBrk="0" hangingPunct="1">
+              <a:lnSpc>
+                <a:spcPct val="90000"/>
+              </a:lnSpc>
+              <a:spcBef>
+                <a:spcPts val="500"/>
+              </a:spcBef>
+              <a:buFont typeface="Arial" panose="020B0604020202020204" pitchFamily="34" charset="0"/>
+              <a:buNone/>
+              <a:defRPr kumimoji="1" sz="2000" kern="1200">
+                <a:solidFill>
+                  <a:schemeClr val="tx1"/>
+                </a:solidFill>
+                <a:latin typeface="+mn-lt"/>
+                <a:ea typeface="+mn-ea"/>
+                <a:cs typeface="+mn-cs"/>
+              </a:defRPr>
+            </a:lvl2pPr>
+            <a:lvl3pPr marL="914400" indent="0" algn="ctr" defTabSz="914400" rtl="0" eaLnBrk="1" latinLnBrk="0" hangingPunct="1">
+              <a:lnSpc>
+                <a:spcPct val="90000"/>
+              </a:lnSpc>
+              <a:spcBef>
+                <a:spcPts val="500"/>
+              </a:spcBef>
+              <a:buFont typeface="Arial" panose="020B0604020202020204" pitchFamily="34" charset="0"/>
+              <a:buNone/>
+              <a:defRPr kumimoji="1" sz="1800" kern="1200">
+                <a:solidFill>
+                  <a:schemeClr val="tx1"/>
+                </a:solidFill>
+                <a:latin typeface="+mn-lt"/>
+                <a:ea typeface="+mn-ea"/>
+                <a:cs typeface="+mn-cs"/>
+              </a:defRPr>
+            </a:lvl3pPr>
+            <a:lvl4pPr marL="1371600" indent="0" algn="ctr" defTabSz="914400" rtl="0" eaLnBrk="1" latinLnBrk="0" hangingPunct="1">
+              <a:lnSpc>
+                <a:spcPct val="90000"/>
+              </a:lnSpc>
+              <a:spcBef>
+                <a:spcPts val="500"/>
+              </a:spcBef>
+              <a:buFont typeface="Arial" panose="020B0604020202020204" pitchFamily="34" charset="0"/>
+              <a:buNone/>
+              <a:defRPr kumimoji="1" sz="1600" kern="1200">
+                <a:solidFill>
+                  <a:schemeClr val="tx1"/>
+                </a:solidFill>
+                <a:latin typeface="+mn-lt"/>
+                <a:ea typeface="+mn-ea"/>
+                <a:cs typeface="+mn-cs"/>
+              </a:defRPr>
+            </a:lvl4pPr>
+            <a:lvl5pPr marL="1828800" indent="0" algn="ctr" defTabSz="914400" rtl="0" eaLnBrk="1" latinLnBrk="0" hangingPunct="1">
+              <a:lnSpc>
+                <a:spcPct val="90000"/>
+              </a:lnSpc>
+              <a:spcBef>
+                <a:spcPts val="500"/>
+              </a:spcBef>
+              <a:buFont typeface="Arial" panose="020B0604020202020204" pitchFamily="34" charset="0"/>
+              <a:buNone/>
+              <a:defRPr kumimoji="1" sz="1600" kern="1200">
+                <a:solidFill>
+                  <a:schemeClr val="tx1"/>
+                </a:solidFill>
+                <a:latin typeface="+mn-lt"/>
+                <a:ea typeface="+mn-ea"/>
+                <a:cs typeface="+mn-cs"/>
+              </a:defRPr>
+            </a:lvl5pPr>
+            <a:lvl6pPr marL="2286000" indent="0" algn="ctr" defTabSz="914400" rtl="0" eaLnBrk="1" latinLnBrk="0" hangingPunct="1">
+              <a:lnSpc>
+                <a:spcPct val="90000"/>
+              </a:lnSpc>
+              <a:spcBef>
+                <a:spcPts val="500"/>
+              </a:spcBef>
+              <a:buFont typeface="Arial" panose="020B0604020202020204" pitchFamily="34" charset="0"/>
+              <a:buNone/>
+              <a:defRPr kumimoji="1" sz="1600" kern="1200">
+                <a:solidFill>
+                  <a:schemeClr val="tx1"/>
+                </a:solidFill>
+                <a:latin typeface="+mn-lt"/>
+                <a:ea typeface="+mn-ea"/>
+                <a:cs typeface="+mn-cs"/>
+              </a:defRPr>
+            </a:lvl6pPr>
+            <a:lvl7pPr marL="2743200" indent="0" algn="ctr" defTabSz="914400" rtl="0" eaLnBrk="1" latinLnBrk="0" hangingPunct="1">
+              <a:lnSpc>
+                <a:spcPct val="90000"/>
+              </a:lnSpc>
+              <a:spcBef>
+                <a:spcPts val="500"/>
+              </a:spcBef>
+              <a:buFont typeface="Arial" panose="020B0604020202020204" pitchFamily="34" charset="0"/>
+              <a:buNone/>
+              <a:defRPr kumimoji="1" sz="1600" kern="1200">
+                <a:solidFill>
+                  <a:schemeClr val="tx1"/>
+                </a:solidFill>
+                <a:latin typeface="+mn-lt"/>
+                <a:ea typeface="+mn-ea"/>
+                <a:cs typeface="+mn-cs"/>
+              </a:defRPr>
+            </a:lvl7pPr>
+            <a:lvl8pPr marL="3200400" indent="0" algn="ctr" defTabSz="914400" rtl="0" eaLnBrk="1" latinLnBrk="0" hangingPunct="1">
+              <a:lnSpc>
+                <a:spcPct val="90000"/>
+              </a:lnSpc>
+              <a:spcBef>
+                <a:spcPts val="500"/>
+              </a:spcBef>
+              <a:buFont typeface="Arial" panose="020B0604020202020204" pitchFamily="34" charset="0"/>
+              <a:buNone/>
+              <a:defRPr kumimoji="1" sz="1600" kern="1200">
+                <a:solidFill>
+                  <a:schemeClr val="tx1"/>
+                </a:solidFill>
+                <a:latin typeface="+mn-lt"/>
+                <a:ea typeface="+mn-ea"/>
+                <a:cs typeface="+mn-cs"/>
+              </a:defRPr>
+            </a:lvl8pPr>
+            <a:lvl9pPr marL="3657600" indent="0" algn="ctr" defTabSz="914400" rtl="0" eaLnBrk="1" latinLnBrk="0" hangingPunct="1">
+              <a:lnSpc>
+                <a:spcPct val="90000"/>
+              </a:lnSpc>
+              <a:spcBef>
+                <a:spcPts val="500"/>
+              </a:spcBef>
+              <a:buFont typeface="Arial" panose="020B0604020202020204" pitchFamily="34" charset="0"/>
+              <a:buNone/>
+              <a:defRPr kumimoji="1" sz="1600" kern="1200">
+                <a:solidFill>
+                  <a:schemeClr val="tx1"/>
+                </a:solidFill>
+                <a:latin typeface="+mn-lt"/>
+                <a:ea typeface="+mn-ea"/>
+                <a:cs typeface="+mn-cs"/>
+              </a:defRPr>
+            </a:lvl9pPr>
+          </a:lstStyle>
+          <a:p>
+            <a:pPr>
+              <a:lnSpc>
+                <a:spcPct val="100000"/>
+              </a:lnSpc>
+            </a:pPr>
+            <a:r>
+              <a:rPr lang="en-US" altLang="ja-JP" sz="2000" dirty="0">
+                <a:solidFill>
+                  <a:srgbClr val="460000"/>
+                </a:solidFill>
+                <a:latin typeface="HGS創英角ﾎﾟｯﾌﾟ体" panose="040B0A00000000000000" pitchFamily="50" charset="-128"/>
+                <a:ea typeface="HGS創英角ﾎﾟｯﾌﾟ体" panose="040B0A00000000000000" pitchFamily="50" charset="-128"/>
+              </a:rPr>
+              <a:t>Web</a:t>
+            </a:r>
+            <a:r>
+              <a:rPr lang="ja-JP" altLang="en-US" sz="2000" dirty="0">
+                <a:solidFill>
+                  <a:srgbClr val="460000"/>
+                </a:solidFill>
+                <a:latin typeface="HGS創英角ﾎﾟｯﾌﾟ体" panose="040B0A00000000000000" pitchFamily="50" charset="-128"/>
+                <a:ea typeface="HGS創英角ﾎﾟｯﾌﾟ体" panose="040B0A00000000000000" pitchFamily="50" charset="-128"/>
+              </a:rPr>
+              <a:t>アプリ開発　最終発表</a:t>
             </a:r>
           </a:p>
         </p:txBody>
@@ -5019,7 +5282,7 @@
         <p:spPr>
           <a:xfrm>
             <a:off x="1889185" y="2311879"/>
-            <a:ext cx="7315200" cy="369332"/>
+            <a:ext cx="7315200" cy="461665"/>
           </a:xfrm>
           <a:prstGeom prst="rect">
             <a:avLst/>
@@ -5033,7 +5296,7 @@
           <a:lstStyle/>
           <a:p>
             <a:r>
-              <a:rPr kumimoji="1" lang="ja-JP" altLang="en-US" dirty="0">
+              <a:rPr kumimoji="1" lang="ja-JP" altLang="en-US" sz="2400" dirty="0">
                 <a:solidFill>
                   <a:srgbClr val="460000"/>
                 </a:solidFill>
@@ -5060,7 +5323,7 @@
         <p:spPr>
           <a:xfrm>
             <a:off x="1949570" y="3605842"/>
-            <a:ext cx="5624422" cy="369332"/>
+            <a:ext cx="5624422" cy="461665"/>
           </a:xfrm>
           <a:prstGeom prst="rect">
             <a:avLst/>
@@ -5074,7 +5337,7 @@
           <a:lstStyle/>
           <a:p>
             <a:r>
-              <a:rPr kumimoji="1" lang="ja-JP" altLang="en-US" dirty="0">
+              <a:rPr kumimoji="1" lang="ja-JP" altLang="en-US" sz="2400" dirty="0">
                 <a:solidFill>
                   <a:srgbClr val="460000"/>
                 </a:solidFill>
@@ -5476,7 +5739,7 @@
         <p:spPr>
           <a:xfrm>
             <a:off x="1155940" y="2527540"/>
-            <a:ext cx="6072996" cy="369332"/>
+            <a:ext cx="7413902" cy="461665"/>
           </a:xfrm>
           <a:prstGeom prst="rect">
             <a:avLst/>
@@ -5490,7 +5753,7 @@
           <a:lstStyle/>
           <a:p>
             <a:r>
-              <a:rPr kumimoji="1" lang="ja-JP" altLang="en-US" dirty="0">
+              <a:rPr kumimoji="1" lang="ja-JP" altLang="en-US" sz="2400" dirty="0">
                 <a:solidFill>
                   <a:srgbClr val="460000"/>
                 </a:solidFill>
@@ -5672,18 +5935,70 @@
             <p:ph idx="1"/>
           </p:nvPr>
         </p:nvSpPr>
-        <p:spPr/>
-        <p:txBody>
-          <a:bodyPr/>
-          <a:lstStyle/>
-          <a:p>
-            <a:r>
-              <a:rPr kumimoji="1" lang="ja-JP" altLang="en-US" dirty="0"/>
-              <a:t>ログイン画面のスクショ</a:t>
-            </a:r>
-          </a:p>
-        </p:txBody>
-      </p:sp>
+        <p:spPr>
+          <a:xfrm>
+            <a:off x="653265" y="366695"/>
+            <a:ext cx="10515600" cy="527157"/>
+          </a:xfrm>
+        </p:spPr>
+        <p:txBody>
+          <a:bodyPr>
+            <a:normAutofit/>
+          </a:bodyPr>
+          <a:lstStyle/>
+          <a:p>
+            <a:pPr marL="0" indent="0">
+              <a:buNone/>
+            </a:pPr>
+            <a:r>
+              <a:rPr lang="ja-JP" altLang="en-US" dirty="0">
+                <a:solidFill>
+                  <a:srgbClr val="460000"/>
+                </a:solidFill>
+                <a:latin typeface="HGS創英角ﾎﾟｯﾌﾟ体" panose="040B0A00000000000000" pitchFamily="50" charset="-128"/>
+                <a:ea typeface="HGS創英角ﾎﾟｯﾌﾟ体" panose="040B0A00000000000000" pitchFamily="50" charset="-128"/>
+              </a:rPr>
+              <a:t>・ログイン画面</a:t>
+            </a:r>
+          </a:p>
+        </p:txBody>
+      </p:sp>
+      <p:pic>
+        <p:nvPicPr>
+          <p:cNvPr id="4" name="図 3">
+            <a:extLst>
+              <a:ext uri="{FF2B5EF4-FFF2-40B4-BE49-F238E27FC236}">
+                <a16:creationId xmlns:a16="http://schemas.microsoft.com/office/drawing/2014/main" id="{D1619E9E-0B22-45C3-A63E-6E01046D2D32}"/>
+              </a:ext>
+            </a:extLst>
+          </p:cNvPr>
+          <p:cNvPicPr>
+            <a:picLocks noChangeAspect="1"/>
+          </p:cNvPicPr>
+          <p:nvPr/>
+        </p:nvPicPr>
+        <p:blipFill>
+          <a:blip r:embed="rId3">
+            <a:extLst>
+              <a:ext uri="{28A0092B-C50C-407E-A947-70E740481C1C}">
+                <a14:useLocalDpi xmlns:a14="http://schemas.microsoft.com/office/drawing/2010/main" val="0"/>
+              </a:ext>
+            </a:extLst>
+          </a:blip>
+          <a:stretch>
+            <a:fillRect/>
+          </a:stretch>
+        </p:blipFill>
+        <p:spPr>
+          <a:xfrm>
+            <a:off x="1438959" y="984054"/>
+            <a:ext cx="9314081" cy="4889892"/>
+          </a:xfrm>
+          <a:prstGeom prst="rect">
+            <a:avLst/>
+          </a:prstGeom>
+        </p:spPr>
+      </p:pic>
     </p:spTree>
     <p:extLst>
       <p:ext uri="{BB962C8B-B14F-4D97-AF65-F5344CB8AC3E}">
@@ -5730,14 +6045,28 @@
             <p:ph idx="1"/>
           </p:nvPr>
         </p:nvSpPr>
-        <p:spPr/>
+        <p:spPr>
+          <a:xfrm>
+            <a:off x="838199" y="376969"/>
+            <a:ext cx="10586663" cy="670995"/>
+          </a:xfrm>
+        </p:spPr>
         <p:txBody>
           <a:bodyPr/>
           <a:lstStyle/>
           <a:p>
-            <a:r>
-              <a:rPr kumimoji="1" lang="ja-JP" altLang="en-US" dirty="0"/>
-              <a:t>メイン画面のスクショ貼る</a:t>
+            <a:pPr marL="0" indent="0">
+              <a:buNone/>
+            </a:pPr>
+            <a:r>
+              <a:rPr lang="ja-JP" altLang="en-US" dirty="0">
+                <a:solidFill>
+                  <a:srgbClr val="460000"/>
+                </a:solidFill>
+                <a:latin typeface="HGS創英角ﾎﾟｯﾌﾟ体" panose="040B0A00000000000000" pitchFamily="50" charset="-128"/>
+                <a:ea typeface="HGS創英角ﾎﾟｯﾌﾟ体" panose="040B0A00000000000000" pitchFamily="50" charset="-128"/>
+              </a:rPr>
+              <a:t>・メイン画面</a:t>
             </a:r>
           </a:p>
           <a:p>
@@ -5745,6 +6074,42 @@
           </a:p>
         </p:txBody>
       </p:sp>
+      <p:pic>
+        <p:nvPicPr>
+          <p:cNvPr id="4" name="図 3">
+            <a:extLst>
+              <a:ext uri="{FF2B5EF4-FFF2-40B4-BE49-F238E27FC236}">
+                <a16:creationId xmlns:a16="http://schemas.microsoft.com/office/drawing/2014/main" id="{385FB7C6-1CE1-49F3-905A-7CDFD058C3A5}"/>
+              </a:ext>
+            </a:extLst>
+          </p:cNvPr>
+          <p:cNvPicPr>
+            <a:picLocks noChangeAspect="1"/>
+          </p:cNvPicPr>
+          <p:nvPr/>
+        </p:nvPicPr>
+        <p:blipFill>
+          <a:blip r:embed="rId3">
+            <a:extLst>
+              <a:ext uri="{28A0092B-C50C-407E-A947-70E740481C1C}">
+                <a14:useLocalDpi xmlns:a14="http://schemas.microsoft.com/office/drawing/2010/main" val="0"/>
+              </a:ext>
+            </a:extLst>
+          </a:blip>
+          <a:stretch>
+            <a:fillRect/>
+          </a:stretch>
+        </p:blipFill>
+        <p:spPr>
+          <a:xfrm>
+            <a:off x="1408742" y="968189"/>
+            <a:ext cx="9374516" cy="4921621"/>
+          </a:xfrm>
+          <a:prstGeom prst="rect">
+            <a:avLst/>
+          </a:prstGeom>
+        </p:spPr>
+      </p:pic>
     </p:spTree>
     <p:extLst>
       <p:ext uri="{BB962C8B-B14F-4D97-AF65-F5344CB8AC3E}">
@@ -5791,98 +6156,92 @@
             <p:ph idx="1"/>
           </p:nvPr>
         </p:nvSpPr>
-        <p:spPr/>
+        <p:spPr>
+          <a:xfrm>
+            <a:off x="838199" y="447720"/>
+            <a:ext cx="10515600" cy="569232"/>
+          </a:xfrm>
+        </p:spPr>
         <p:txBody>
           <a:bodyPr/>
           <a:lstStyle/>
           <a:p>
-            <a:r>
-              <a:rPr kumimoji="1" lang="en-US" altLang="ja-JP" dirty="0"/>
+            <a:pPr marL="0" indent="0">
+              <a:buNone/>
+            </a:pPr>
+            <a:r>
+              <a:rPr lang="ja-JP" altLang="en-US" dirty="0">
+                <a:solidFill>
+                  <a:srgbClr val="460000"/>
+                </a:solidFill>
+                <a:latin typeface="HGS創英角ﾎﾟｯﾌﾟ体" panose="040B0A00000000000000" pitchFamily="50" charset="-128"/>
+                <a:ea typeface="HGS創英角ﾎﾟｯﾌﾟ体" panose="040B0A00000000000000" pitchFamily="50" charset="-128"/>
+              </a:rPr>
+              <a:t>・</a:t>
+            </a:r>
+            <a:r>
+              <a:rPr lang="en-US" altLang="ja-JP" dirty="0">
+                <a:solidFill>
+                  <a:srgbClr val="460000"/>
+                </a:solidFill>
+                <a:latin typeface="HGS創英角ﾎﾟｯﾌﾟ体" panose="040B0A00000000000000" pitchFamily="50" charset="-128"/>
+                <a:ea typeface="HGS創英角ﾎﾟｯﾌﾟ体" panose="040B0A00000000000000" pitchFamily="50" charset="-128"/>
+              </a:rPr>
               <a:t>Room</a:t>
             </a:r>
             <a:r>
-              <a:rPr kumimoji="1" lang="ja-JP" altLang="en-US" dirty="0"/>
-              <a:t>内のスクショ　</a:t>
-            </a:r>
-            <a:r>
-              <a:rPr kumimoji="1" lang="en-US" altLang="ja-JP" dirty="0"/>
-              <a:t>var.1</a:t>
-            </a:r>
-            <a:endParaRPr kumimoji="1" lang="ja-JP" altLang="en-US" dirty="0"/>
-          </a:p>
-        </p:txBody>
-      </p:sp>
+              <a:rPr lang="ja-JP" altLang="en-US" dirty="0">
+                <a:solidFill>
+                  <a:srgbClr val="460000"/>
+                </a:solidFill>
+                <a:latin typeface="HGS創英角ﾎﾟｯﾌﾟ体" panose="040B0A00000000000000" pitchFamily="50" charset="-128"/>
+                <a:ea typeface="HGS創英角ﾎﾟｯﾌﾟ体" panose="040B0A00000000000000" pitchFamily="50" charset="-128"/>
+              </a:rPr>
+              <a:t>画面</a:t>
+            </a:r>
+          </a:p>
+        </p:txBody>
+      </p:sp>
+      <p:pic>
+        <p:nvPicPr>
+          <p:cNvPr id="4" name="図 3">
+            <a:extLst>
+              <a:ext uri="{FF2B5EF4-FFF2-40B4-BE49-F238E27FC236}">
+                <a16:creationId xmlns:a16="http://schemas.microsoft.com/office/drawing/2014/main" id="{825BA9A6-CC04-4775-9BCA-77D581C70830}"/>
+              </a:ext>
+            </a:extLst>
+          </p:cNvPr>
+          <p:cNvPicPr>
+            <a:picLocks noChangeAspect="1"/>
+          </p:cNvPicPr>
+          <p:nvPr/>
+        </p:nvPicPr>
+        <p:blipFill>
+          <a:blip r:embed="rId3">
+            <a:extLst>
+              <a:ext uri="{28A0092B-C50C-407E-A947-70E740481C1C}">
+                <a14:useLocalDpi xmlns:a14="http://schemas.microsoft.com/office/drawing/2010/main" val="0"/>
+              </a:ext>
+            </a:extLst>
+          </a:blip>
+          <a:stretch>
+            <a:fillRect/>
+          </a:stretch>
+        </p:blipFill>
+        <p:spPr>
+          <a:xfrm>
+            <a:off x="1501622" y="1016952"/>
+            <a:ext cx="9188755" cy="4824096"/>
+          </a:xfrm>
+          <a:prstGeom prst="rect">
+            <a:avLst/>
+          </a:prstGeom>
+        </p:spPr>
+      </p:pic>
     </p:spTree>
     <p:extLst>
       <p:ext uri="{BB962C8B-B14F-4D97-AF65-F5344CB8AC3E}">
         <p14:creationId xmlns:p14="http://schemas.microsoft.com/office/powerpoint/2010/main" val="1685729077"/>
-      </p:ext>
-    </p:extLst>
-  </p:cSld>
-  <p:clrMapOvr>
-    <a:masterClrMapping/>
-  </p:clrMapOvr>
-</p:sld>
-</file>
-
-<file path=ppt/slides/slide7.xml><?xml version="1.0" encoding="utf-8"?>
-<p:sld xmlns:a="http://schemas.openxmlformats.org/drawingml/2006/main" xmlns:r="http://schemas.openxmlformats.org/officeDocument/2006/relationships" xmlns:p="http://schemas.openxmlformats.org/presentationml/2006/main">
-  <p:cSld>
-    <p:spTree>
-      <p:nvGrpSpPr>
-        <p:cNvPr id="1" name=""/>
-        <p:cNvGrpSpPr/>
-        <p:nvPr/>
-      </p:nvGrpSpPr>
-      <p:grpSpPr>
-        <a:xfrm>
-          <a:off x="0" y="0"/>
-          <a:ext cx="0" cy="0"/>
-          <a:chOff x="0" y="0"/>
-          <a:chExt cx="0" cy="0"/>
-        </a:xfrm>
-      </p:grpSpPr>
-      <p:sp>
-        <p:nvSpPr>
-          <p:cNvPr id="3" name="コンテンツ プレースホルダー 2">
-            <a:extLst>
-              <a:ext uri="{FF2B5EF4-FFF2-40B4-BE49-F238E27FC236}">
-                <a16:creationId xmlns:a16="http://schemas.microsoft.com/office/drawing/2014/main" id="{3E26275F-88E8-E78A-0937-D6DC036BC0D1}"/>
-              </a:ext>
-            </a:extLst>
-          </p:cNvPr>
-          <p:cNvSpPr>
-            <a:spLocks noGrp="1"/>
-          </p:cNvSpPr>
-          <p:nvPr>
-            <p:ph idx="1"/>
-          </p:nvPr>
-        </p:nvSpPr>
-        <p:spPr/>
-        <p:txBody>
-          <a:bodyPr/>
-          <a:lstStyle/>
-          <a:p>
-            <a:r>
-              <a:rPr kumimoji="1" lang="en-US" altLang="ja-JP" dirty="0"/>
-              <a:t>Room</a:t>
-            </a:r>
-            <a:r>
-              <a:rPr kumimoji="1" lang="ja-JP" altLang="en-US" dirty="0"/>
-              <a:t>内のスクショ　</a:t>
-            </a:r>
-            <a:r>
-              <a:rPr lang="en-US" altLang="ja-JP" dirty="0"/>
-              <a:t>var.2</a:t>
-            </a:r>
-            <a:endParaRPr kumimoji="1" lang="ja-JP" altLang="en-US" dirty="0"/>
-          </a:p>
-        </p:txBody>
-      </p:sp>
-    </p:spTree>
-    <p:extLst>
-      <p:ext uri="{BB962C8B-B14F-4D97-AF65-F5344CB8AC3E}">
-        <p14:creationId xmlns:p14="http://schemas.microsoft.com/office/powerpoint/2010/main" val="3239130764"/>
       </p:ext>
     </p:extLst>
   </p:cSld>

--- a/プレゼン.pptx
+++ b/プレゼン.pptx
@@ -5,7 +5,7 @@
     <p:sldMasterId id="2147483648" r:id="rId1"/>
   </p:sldMasterIdLst>
   <p:notesMasterIdLst>
-    <p:notesMasterId r:id="rId8"/>
+    <p:notesMasterId r:id="rId9"/>
   </p:notesMasterIdLst>
   <p:sldIdLst>
     <p:sldId id="256" r:id="rId2"/>
@@ -14,6 +14,7 @@
     <p:sldId id="262" r:id="rId5"/>
     <p:sldId id="257" r:id="rId6"/>
     <p:sldId id="260" r:id="rId7"/>
+    <p:sldId id="265" r:id="rId8"/>
   </p:sldIdLst>
   <p:sldSz cx="12192000" cy="6858000"/>
   <p:notesSz cx="6858000" cy="9144000"/>
@@ -202,7 +203,7 @@
           <a:p>
             <a:fld id="{15151F94-B430-4360-9A44-0FFB898CA081}" type="datetimeFigureOut">
               <a:rPr kumimoji="1" lang="ja-JP" altLang="en-US" smtClean="0"/>
-              <a:t>2024/9/12</a:t>
+              <a:t>2024/9/13</a:t>
             </a:fld>
             <a:endParaRPr kumimoji="1" lang="ja-JP" altLang="en-US"/>
           </a:p>
@@ -1404,7 +1405,7 @@
           <a:p>
             <a:fld id="{724715FE-B674-476C-BF52-73267CFAC7F5}" type="datetimeFigureOut">
               <a:rPr kumimoji="1" lang="ja-JP" altLang="en-US" smtClean="0"/>
-              <a:t>2024/9/12</a:t>
+              <a:t>2024/9/13</a:t>
             </a:fld>
             <a:endParaRPr kumimoji="1" lang="ja-JP" altLang="en-US"/>
           </a:p>
@@ -1634,7 +1635,7 @@
           <a:p>
             <a:fld id="{724715FE-B674-476C-BF52-73267CFAC7F5}" type="datetimeFigureOut">
               <a:rPr kumimoji="1" lang="ja-JP" altLang="en-US" smtClean="0"/>
-              <a:t>2024/9/12</a:t>
+              <a:t>2024/9/13</a:t>
             </a:fld>
             <a:endParaRPr kumimoji="1" lang="ja-JP" altLang="en-US"/>
           </a:p>
@@ -1874,7 +1875,7 @@
           <a:p>
             <a:fld id="{724715FE-B674-476C-BF52-73267CFAC7F5}" type="datetimeFigureOut">
               <a:rPr kumimoji="1" lang="ja-JP" altLang="en-US" smtClean="0"/>
-              <a:t>2024/9/12</a:t>
+              <a:t>2024/9/13</a:t>
             </a:fld>
             <a:endParaRPr kumimoji="1" lang="ja-JP" altLang="en-US"/>
           </a:p>
@@ -2104,7 +2105,7 @@
           <a:p>
             <a:fld id="{724715FE-B674-476C-BF52-73267CFAC7F5}" type="datetimeFigureOut">
               <a:rPr kumimoji="1" lang="ja-JP" altLang="en-US" smtClean="0"/>
-              <a:t>2024/9/12</a:t>
+              <a:t>2024/9/13</a:t>
             </a:fld>
             <a:endParaRPr kumimoji="1" lang="ja-JP" altLang="en-US"/>
           </a:p>
@@ -2379,7 +2380,7 @@
           <a:p>
             <a:fld id="{724715FE-B674-476C-BF52-73267CFAC7F5}" type="datetimeFigureOut">
               <a:rPr kumimoji="1" lang="ja-JP" altLang="en-US" smtClean="0"/>
-              <a:t>2024/9/12</a:t>
+              <a:t>2024/9/13</a:t>
             </a:fld>
             <a:endParaRPr kumimoji="1" lang="ja-JP" altLang="en-US"/>
           </a:p>
@@ -2708,7 +2709,7 @@
           <a:p>
             <a:fld id="{724715FE-B674-476C-BF52-73267CFAC7F5}" type="datetimeFigureOut">
               <a:rPr kumimoji="1" lang="ja-JP" altLang="en-US" smtClean="0"/>
-              <a:t>2024/9/12</a:t>
+              <a:t>2024/9/13</a:t>
             </a:fld>
             <a:endParaRPr kumimoji="1" lang="ja-JP" altLang="en-US"/>
           </a:p>
@@ -3184,7 +3185,7 @@
           <a:p>
             <a:fld id="{724715FE-B674-476C-BF52-73267CFAC7F5}" type="datetimeFigureOut">
               <a:rPr kumimoji="1" lang="ja-JP" altLang="en-US" smtClean="0"/>
-              <a:t>2024/9/12</a:t>
+              <a:t>2024/9/13</a:t>
             </a:fld>
             <a:endParaRPr kumimoji="1" lang="ja-JP" altLang="en-US"/>
           </a:p>
@@ -3325,7 +3326,7 @@
           <a:p>
             <a:fld id="{724715FE-B674-476C-BF52-73267CFAC7F5}" type="datetimeFigureOut">
               <a:rPr kumimoji="1" lang="ja-JP" altLang="en-US" smtClean="0"/>
-              <a:t>2024/9/12</a:t>
+              <a:t>2024/9/13</a:t>
             </a:fld>
             <a:endParaRPr kumimoji="1" lang="ja-JP" altLang="en-US"/>
           </a:p>
@@ -3438,7 +3439,7 @@
           <a:p>
             <a:fld id="{724715FE-B674-476C-BF52-73267CFAC7F5}" type="datetimeFigureOut">
               <a:rPr kumimoji="1" lang="ja-JP" altLang="en-US" smtClean="0"/>
-              <a:t>2024/9/12</a:t>
+              <a:t>2024/9/13</a:t>
             </a:fld>
             <a:endParaRPr kumimoji="1" lang="ja-JP" altLang="en-US"/>
           </a:p>
@@ -3781,7 +3782,7 @@
           <a:p>
             <a:fld id="{724715FE-B674-476C-BF52-73267CFAC7F5}" type="datetimeFigureOut">
               <a:rPr kumimoji="1" lang="ja-JP" altLang="en-US" smtClean="0"/>
-              <a:t>2024/9/12</a:t>
+              <a:t>2024/9/13</a:t>
             </a:fld>
             <a:endParaRPr kumimoji="1" lang="ja-JP" altLang="en-US"/>
           </a:p>
@@ -4069,7 +4070,7 @@
           <a:p>
             <a:fld id="{724715FE-B674-476C-BF52-73267CFAC7F5}" type="datetimeFigureOut">
               <a:rPr kumimoji="1" lang="ja-JP" altLang="en-US" smtClean="0"/>
-              <a:t>2024/9/12</a:t>
+              <a:t>2024/9/13</a:t>
             </a:fld>
             <a:endParaRPr kumimoji="1" lang="ja-JP" altLang="en-US"/>
           </a:p>
@@ -4342,7 +4343,7 @@
           <a:p>
             <a:fld id="{724715FE-B674-476C-BF52-73267CFAC7F5}" type="datetimeFigureOut">
               <a:rPr kumimoji="1" lang="ja-JP" altLang="en-US" smtClean="0"/>
-              <a:t>2024/9/12</a:t>
+              <a:t>2024/9/13</a:t>
             </a:fld>
             <a:endParaRPr kumimoji="1" lang="ja-JP" altLang="en-US"/>
           </a:p>
@@ -6242,6 +6243,132 @@
     <p:extLst>
       <p:ext uri="{BB962C8B-B14F-4D97-AF65-F5344CB8AC3E}">
         <p14:creationId xmlns:p14="http://schemas.microsoft.com/office/powerpoint/2010/main" val="1685729077"/>
+      </p:ext>
+    </p:extLst>
+  </p:cSld>
+  <p:clrMapOvr>
+    <a:masterClrMapping/>
+  </p:clrMapOvr>
+</p:sld>
+</file>
+
+<file path=ppt/slides/slide7.xml><?xml version="1.0" encoding="utf-8"?>
+<p:sld xmlns:a="http://schemas.openxmlformats.org/drawingml/2006/main" xmlns:r="http://schemas.openxmlformats.org/officeDocument/2006/relationships" xmlns:p="http://schemas.openxmlformats.org/presentationml/2006/main">
+  <p:cSld>
+    <p:spTree>
+      <p:nvGrpSpPr>
+        <p:cNvPr id="1" name=""/>
+        <p:cNvGrpSpPr/>
+        <p:nvPr/>
+      </p:nvGrpSpPr>
+      <p:grpSpPr>
+        <a:xfrm>
+          <a:off x="0" y="0"/>
+          <a:ext cx="0" cy="0"/>
+          <a:chOff x="0" y="0"/>
+          <a:chExt cx="0" cy="0"/>
+        </a:xfrm>
+      </p:grpSpPr>
+      <p:sp>
+        <p:nvSpPr>
+          <p:cNvPr id="7" name="タイトル 1">
+            <a:extLst>
+              <a:ext uri="{FF2B5EF4-FFF2-40B4-BE49-F238E27FC236}">
+                <a16:creationId xmlns:a16="http://schemas.microsoft.com/office/drawing/2014/main" id="{EAF4F01F-75D7-4C90-906A-84D97139D707}"/>
+              </a:ext>
+            </a:extLst>
+          </p:cNvPr>
+          <p:cNvSpPr>
+            <a:spLocks noGrp="1"/>
+          </p:cNvSpPr>
+          <p:nvPr>
+            <p:ph type="title"/>
+          </p:nvPr>
+        </p:nvSpPr>
+        <p:spPr>
+          <a:xfrm>
+            <a:off x="831850" y="1525772"/>
+            <a:ext cx="10515600" cy="1133475"/>
+          </a:xfrm>
+        </p:spPr>
+        <p:txBody>
+          <a:bodyPr>
+            <a:normAutofit/>
+          </a:bodyPr>
+          <a:lstStyle/>
+          <a:p>
+            <a:pPr algn="ctr"/>
+            <a:r>
+              <a:rPr lang="ja-JP" altLang="en-US" sz="4400" b="1" dirty="0">
+                <a:solidFill>
+                  <a:srgbClr val="460000"/>
+                </a:solidFill>
+                <a:latin typeface="HGS創英角ﾎﾟｯﾌﾟ体" panose="040B0A00000000000000" pitchFamily="50" charset="-128"/>
+                <a:ea typeface="HGS創英角ﾎﾟｯﾌﾟ体" panose="040B0A00000000000000" pitchFamily="50" charset="-128"/>
+              </a:rPr>
+              <a:t>ご清聴ありがとうございました</a:t>
+            </a:r>
+            <a:endParaRPr kumimoji="1" lang="ja-JP" altLang="en-US" sz="4400" b="1" dirty="0">
+              <a:solidFill>
+                <a:srgbClr val="460000"/>
+              </a:solidFill>
+              <a:latin typeface="HGS創英角ﾎﾟｯﾌﾟ体" panose="040B0A00000000000000" pitchFamily="50" charset="-128"/>
+              <a:ea typeface="HGS創英角ﾎﾟｯﾌﾟ体" panose="040B0A00000000000000" pitchFamily="50" charset="-128"/>
+            </a:endParaRPr>
+          </a:p>
+        </p:txBody>
+      </p:sp>
+      <p:pic>
+        <p:nvPicPr>
+          <p:cNvPr id="1026" name="Picture 2" descr="温活 お茶を飲む女の子">
+            <a:extLst>
+              <a:ext uri="{FF2B5EF4-FFF2-40B4-BE49-F238E27FC236}">
+                <a16:creationId xmlns:a16="http://schemas.microsoft.com/office/drawing/2014/main" id="{E501E6BC-D424-4560-B565-A84749205A36}"/>
+              </a:ext>
+            </a:extLst>
+          </p:cNvPr>
+          <p:cNvPicPr>
+            <a:picLocks noChangeAspect="1" noChangeArrowheads="1"/>
+          </p:cNvPicPr>
+          <p:nvPr/>
+        </p:nvPicPr>
+        <p:blipFill>
+          <a:blip r:embed="rId2">
+            <a:extLst>
+              <a:ext uri="{28A0092B-C50C-407E-A947-70E740481C1C}">
+                <a14:useLocalDpi xmlns:a14="http://schemas.microsoft.com/office/drawing/2010/main" val="0"/>
+              </a:ext>
+            </a:extLst>
+          </a:blip>
+          <a:srcRect/>
+          <a:stretch>
+            <a:fillRect/>
+          </a:stretch>
+        </p:blipFill>
+        <p:spPr bwMode="auto">
+          <a:xfrm>
+            <a:off x="8082516" y="3130071"/>
+            <a:ext cx="3810000" cy="3362325"/>
+          </a:xfrm>
+          <a:prstGeom prst="rect">
+            <a:avLst/>
+          </a:prstGeom>
+          <a:noFill/>
+          <a:extLst>
+            <a:ext uri="{909E8E84-426E-40DD-AFC4-6F175D3DCCD1}">
+              <a14:hiddenFill xmlns:a14="http://schemas.microsoft.com/office/drawing/2010/main">
+                <a:solidFill>
+                  <a:srgbClr val="FFFFFF"/>
+                </a:solidFill>
+              </a14:hiddenFill>
+            </a:ext>
+          </a:extLst>
+        </p:spPr>
+      </p:pic>
+    </p:spTree>
+    <p:extLst>
+      <p:ext uri="{BB962C8B-B14F-4D97-AF65-F5344CB8AC3E}">
+        <p14:creationId xmlns:p14="http://schemas.microsoft.com/office/powerpoint/2010/main" val="2058255982"/>
       </p:ext>
     </p:extLst>
   </p:cSld>

--- a/プレゼン.pptx
+++ b/プレゼン.pptx
@@ -5,16 +5,15 @@
     <p:sldMasterId id="2147483648" r:id="rId1"/>
   </p:sldMasterIdLst>
   <p:notesMasterIdLst>
-    <p:notesMasterId r:id="rId9"/>
+    <p:notesMasterId r:id="rId8"/>
   </p:notesMasterIdLst>
   <p:sldIdLst>
     <p:sldId id="256" r:id="rId2"/>
-    <p:sldId id="263" r:id="rId3"/>
-    <p:sldId id="264" r:id="rId4"/>
-    <p:sldId id="262" r:id="rId5"/>
-    <p:sldId id="257" r:id="rId6"/>
-    <p:sldId id="260" r:id="rId7"/>
-    <p:sldId id="265" r:id="rId8"/>
+    <p:sldId id="264" r:id="rId3"/>
+    <p:sldId id="262" r:id="rId4"/>
+    <p:sldId id="257" r:id="rId5"/>
+    <p:sldId id="260" r:id="rId6"/>
+    <p:sldId id="265" r:id="rId7"/>
   </p:sldIdLst>
   <p:sldSz cx="12192000" cy="6858000"/>
   <p:notesSz cx="6858000" cy="9144000"/>
@@ -203,7 +202,7 @@
           <a:p>
             <a:fld id="{15151F94-B430-4360-9A44-0FFB898CA081}" type="datetimeFigureOut">
               <a:rPr kumimoji="1" lang="ja-JP" altLang="en-US" smtClean="0"/>
-              <a:t>2024/9/13</a:t>
+              <a:t>2024/9/17</a:t>
             </a:fld>
             <a:endParaRPr kumimoji="1" lang="ja-JP" altLang="en-US"/>
           </a:p>
@@ -644,14 +643,7 @@
           <a:p>
             <a:r>
               <a:rPr kumimoji="1" lang="ja-JP" altLang="en-US" dirty="0"/>
-              <a:t>アプリの目的は生徒同士のコミュニケーションをとることと</a:t>
-            </a:r>
-            <a:endParaRPr kumimoji="1" lang="en-US" altLang="ja-JP" dirty="0"/>
-          </a:p>
-          <a:p>
-            <a:r>
-              <a:rPr kumimoji="1" lang="ja-JP" altLang="en-US" dirty="0"/>
-              <a:t>情報収集、情報共有をもくてきにしていｍ</a:t>
+              <a:t>目的別の部屋に分かれて自由にチャットができる</a:t>
             </a:r>
           </a:p>
         </p:txBody>
@@ -682,7 +674,7 @@
     </p:spTree>
     <p:extLst>
       <p:ext uri="{BB962C8B-B14F-4D97-AF65-F5344CB8AC3E}">
-        <p14:creationId xmlns:p14="http://schemas.microsoft.com/office/powerpoint/2010/main" val="389244651"/>
+        <p14:creationId xmlns:p14="http://schemas.microsoft.com/office/powerpoint/2010/main" val="2128812555"/>
       </p:ext>
     </p:extLst>
   </p:cSld>
@@ -738,7 +730,30 @@
           <a:p>
             <a:r>
               <a:rPr kumimoji="1" lang="ja-JP" altLang="en-US" dirty="0"/>
-              <a:t>目的別の部屋に分かれて自由にチャットができる</a:t>
+              <a:t>まずはログイン画面です。</a:t>
+            </a:r>
+            <a:endParaRPr kumimoji="1" lang="en-US" altLang="ja-JP" dirty="0"/>
+          </a:p>
+          <a:p>
+            <a:r>
+              <a:rPr kumimoji="1" lang="ja-JP" altLang="en-US" dirty="0"/>
+              <a:t>ユーザー情報ですが、ログイン</a:t>
+            </a:r>
+            <a:r>
+              <a:rPr kumimoji="1" lang="en-US" altLang="ja-JP" dirty="0"/>
+              <a:t>ID</a:t>
+            </a:r>
+            <a:r>
+              <a:rPr kumimoji="1" lang="ja-JP" altLang="en-US" dirty="0"/>
+              <a:t>と</a:t>
+            </a:r>
+            <a:r>
+              <a:rPr kumimoji="1" lang="en-US" altLang="ja-JP" dirty="0"/>
+              <a:t>PW</a:t>
+            </a:r>
+            <a:r>
+              <a:rPr kumimoji="1" lang="ja-JP" altLang="en-US" dirty="0"/>
+              <a:t>が一致することでメインメニューにすすめます</a:t>
             </a:r>
           </a:p>
         </p:txBody>
@@ -769,7 +784,7 @@
     </p:spTree>
     <p:extLst>
       <p:ext uri="{BB962C8B-B14F-4D97-AF65-F5344CB8AC3E}">
-        <p14:creationId xmlns:p14="http://schemas.microsoft.com/office/powerpoint/2010/main" val="2128812555"/>
+        <p14:creationId xmlns:p14="http://schemas.microsoft.com/office/powerpoint/2010/main" val="2749543878"/>
       </p:ext>
     </p:extLst>
   </p:cSld>
@@ -825,31 +840,167 @@
           <a:p>
             <a:r>
               <a:rPr kumimoji="1" lang="ja-JP" altLang="en-US" dirty="0"/>
-              <a:t>まずはログイン画面です。</a:t>
+              <a:t>メインメニューではグループを４つに分けることで、チャット内がわかりやすくなるようにしました</a:t>
             </a:r>
             <a:endParaRPr kumimoji="1" lang="en-US" altLang="ja-JP" dirty="0"/>
           </a:p>
           <a:p>
+            <a:pPr marL="0" marR="0" lvl="0" indent="0" algn="l" defTabSz="914400" rtl="0" eaLnBrk="1" fontAlgn="auto" latinLnBrk="0" hangingPunct="1">
+              <a:lnSpc>
+                <a:spcPct val="100000"/>
+              </a:lnSpc>
+              <a:spcBef>
+                <a:spcPts val="0"/>
+              </a:spcBef>
+              <a:spcAft>
+                <a:spcPts val="0"/>
+              </a:spcAft>
+              <a:buClrTx/>
+              <a:buSzTx/>
+              <a:buFontTx/>
+              <a:buNone/>
+              <a:tabLst/>
+              <a:defRPr/>
+            </a:pPr>
             <a:r>
               <a:rPr kumimoji="1" lang="ja-JP" altLang="en-US" dirty="0"/>
-              <a:t>ユーザー情報ですが、ログイン</a:t>
+              <a:t>校内イベント</a:t>
             </a:r>
             <a:r>
               <a:rPr kumimoji="1" lang="en-US" altLang="ja-JP" dirty="0"/>
-              <a:t>ID</a:t>
+              <a:t>Room</a:t>
             </a:r>
             <a:r>
               <a:rPr kumimoji="1" lang="ja-JP" altLang="en-US" dirty="0"/>
-              <a:t>と</a:t>
+              <a:t>（親睦会やボーリング大会など）</a:t>
+            </a:r>
+            <a:endParaRPr kumimoji="1" lang="en-US" altLang="ja-JP" dirty="0"/>
+          </a:p>
+          <a:p>
+            <a:pPr marL="0" marR="0" lvl="0" indent="0" algn="l" defTabSz="914400" rtl="0" eaLnBrk="1" fontAlgn="auto" latinLnBrk="0" hangingPunct="1">
+              <a:lnSpc>
+                <a:spcPct val="100000"/>
+              </a:lnSpc>
+              <a:spcBef>
+                <a:spcPts val="0"/>
+              </a:spcBef>
+              <a:spcAft>
+                <a:spcPts val="0"/>
+              </a:spcAft>
+              <a:buClrTx/>
+              <a:buSzTx/>
+              <a:buFontTx/>
+              <a:buNone/>
+              <a:tabLst/>
+              <a:defRPr/>
+            </a:pPr>
+            <a:r>
+              <a:rPr kumimoji="1" lang="ja-JP" altLang="en-US" dirty="0"/>
+              <a:t>校外イベント</a:t>
             </a:r>
             <a:r>
               <a:rPr kumimoji="1" lang="en-US" altLang="ja-JP" dirty="0"/>
-              <a:t>PW</a:t>
+              <a:t>Room</a:t>
             </a:r>
             <a:r>
               <a:rPr kumimoji="1" lang="ja-JP" altLang="en-US" dirty="0"/>
-              <a:t>が一致することでメインメニューにすすめます</a:t>
-            </a:r>
+              <a:t>（ボランティア活動など）</a:t>
+            </a:r>
+            <a:endParaRPr kumimoji="1" lang="en-US" altLang="ja-JP" dirty="0"/>
+          </a:p>
+          <a:p>
+            <a:pPr marL="0" marR="0" lvl="0" indent="0" algn="l" defTabSz="914400" rtl="0" eaLnBrk="1" fontAlgn="auto" latinLnBrk="0" hangingPunct="1">
+              <a:lnSpc>
+                <a:spcPct val="100000"/>
+              </a:lnSpc>
+              <a:spcBef>
+                <a:spcPts val="0"/>
+              </a:spcBef>
+              <a:spcAft>
+                <a:spcPts val="0"/>
+              </a:spcAft>
+              <a:buClrTx/>
+              <a:buSzTx/>
+              <a:buFontTx/>
+              <a:buNone/>
+              <a:tabLst/>
+              <a:defRPr/>
+            </a:pPr>
+            <a:r>
+              <a:rPr kumimoji="1" lang="ja-JP" altLang="en-US" dirty="0"/>
+              <a:t>就活</a:t>
+            </a:r>
+            <a:r>
+              <a:rPr kumimoji="1" lang="en-US" altLang="ja-JP" dirty="0"/>
+              <a:t>Room</a:t>
+            </a:r>
+            <a:r>
+              <a:rPr kumimoji="1" lang="ja-JP" altLang="en-US" dirty="0"/>
+              <a:t>（就活に関する情報の共有など）</a:t>
+            </a:r>
+            <a:endParaRPr kumimoji="1" lang="en-US" altLang="ja-JP" dirty="0"/>
+          </a:p>
+          <a:p>
+            <a:pPr marL="0" marR="0" lvl="0" indent="0" algn="l" defTabSz="914400" rtl="0" eaLnBrk="1" fontAlgn="auto" latinLnBrk="0" hangingPunct="1">
+              <a:lnSpc>
+                <a:spcPct val="100000"/>
+              </a:lnSpc>
+              <a:spcBef>
+                <a:spcPts val="0"/>
+              </a:spcBef>
+              <a:spcAft>
+                <a:spcPts val="0"/>
+              </a:spcAft>
+              <a:buClrTx/>
+              <a:buSzTx/>
+              <a:buFontTx/>
+              <a:buNone/>
+              <a:tabLst/>
+              <a:defRPr/>
+            </a:pPr>
+            <a:r>
+              <a:rPr kumimoji="1" lang="ja-JP" altLang="en-US" dirty="0"/>
+              <a:t>みんなの</a:t>
+            </a:r>
+            <a:r>
+              <a:rPr kumimoji="1" lang="en-US" altLang="ja-JP" dirty="0"/>
+              <a:t>Room</a:t>
+            </a:r>
+            <a:r>
+              <a:rPr kumimoji="1" lang="ja-JP" altLang="en-US" dirty="0"/>
+              <a:t>（その他のことで、なんでも話をしてもいい）です</a:t>
+            </a:r>
+            <a:endParaRPr kumimoji="1" lang="en-US" altLang="ja-JP" dirty="0"/>
+          </a:p>
+          <a:p>
+            <a:r>
+              <a:rPr kumimoji="1" lang="ja-JP" altLang="en-US" dirty="0"/>
+              <a:t>全ての</a:t>
+            </a:r>
+            <a:r>
+              <a:rPr kumimoji="1" lang="en-US" altLang="ja-JP" dirty="0"/>
+              <a:t>Room</a:t>
+            </a:r>
+            <a:r>
+              <a:rPr kumimoji="1" lang="ja-JP" altLang="en-US" dirty="0"/>
+              <a:t>はデータベース別で保存しています</a:t>
+            </a:r>
+            <a:endParaRPr kumimoji="1" lang="en-US" altLang="ja-JP" dirty="0"/>
+          </a:p>
+          <a:p>
+            <a:r>
+              <a:rPr kumimoji="1" lang="ja-JP" altLang="en-US" dirty="0"/>
+              <a:t>では、校外イベント</a:t>
+            </a:r>
+            <a:r>
+              <a:rPr kumimoji="1" lang="en-US" altLang="ja-JP" dirty="0"/>
+              <a:t>Room</a:t>
+            </a:r>
+            <a:r>
+              <a:rPr kumimoji="1" lang="ja-JP" altLang="en-US" dirty="0"/>
+              <a:t>に試しに入ってみます</a:t>
+            </a:r>
+            <a:endParaRPr kumimoji="1" lang="en-US" altLang="ja-JP" dirty="0"/>
           </a:p>
         </p:txBody>
       </p:sp>
@@ -879,7 +1030,7 @@
     </p:spTree>
     <p:extLst>
       <p:ext uri="{BB962C8B-B14F-4D97-AF65-F5344CB8AC3E}">
-        <p14:creationId xmlns:p14="http://schemas.microsoft.com/office/powerpoint/2010/main" val="2749543878"/>
+        <p14:creationId xmlns:p14="http://schemas.microsoft.com/office/powerpoint/2010/main" val="2528253807"/>
       </p:ext>
     </p:extLst>
   </p:cSld>
@@ -935,31 +1086,7 @@
           <a:p>
             <a:r>
               <a:rPr kumimoji="1" lang="ja-JP" altLang="en-US" dirty="0"/>
-              <a:t>メインメニューではグループを４つに分けることで、チャット内がわかりやすくなるようにしました</a:t>
-            </a:r>
-            <a:endParaRPr kumimoji="1" lang="en-US" altLang="ja-JP" dirty="0"/>
-          </a:p>
-          <a:p>
-            <a:pPr marL="0" marR="0" lvl="0" indent="0" algn="l" defTabSz="914400" rtl="0" eaLnBrk="1" fontAlgn="auto" latinLnBrk="0" hangingPunct="1">
-              <a:lnSpc>
-                <a:spcPct val="100000"/>
-              </a:lnSpc>
-              <a:spcBef>
-                <a:spcPts val="0"/>
-              </a:spcBef>
-              <a:spcAft>
-                <a:spcPts val="0"/>
-              </a:spcAft>
-              <a:buClrTx/>
-              <a:buSzTx/>
-              <a:buFontTx/>
-              <a:buNone/>
-              <a:tabLst/>
-              <a:defRPr/>
-            </a:pPr>
-            <a:r>
-              <a:rPr kumimoji="1" lang="ja-JP" altLang="en-US" dirty="0"/>
-              <a:t>校内イベント</a:t>
+              <a:t>上部にロゴとルーム名が表示されるので、</a:t>
             </a:r>
             <a:r>
               <a:rPr kumimoji="1" lang="en-US" altLang="ja-JP" dirty="0"/>
@@ -967,135 +1094,36 @@
             </a:r>
             <a:r>
               <a:rPr kumimoji="1" lang="ja-JP" altLang="en-US" dirty="0"/>
-              <a:t>（親睦会やボーリング大会など）</a:t>
+              <a:t>間違いにならないようにしています。</a:t>
             </a:r>
             <a:endParaRPr kumimoji="1" lang="en-US" altLang="ja-JP" dirty="0"/>
           </a:p>
           <a:p>
-            <a:pPr marL="0" marR="0" lvl="0" indent="0" algn="l" defTabSz="914400" rtl="0" eaLnBrk="1" fontAlgn="auto" latinLnBrk="0" hangingPunct="1">
-              <a:lnSpc>
-                <a:spcPct val="100000"/>
-              </a:lnSpc>
-              <a:spcBef>
-                <a:spcPts val="0"/>
-              </a:spcBef>
-              <a:spcAft>
-                <a:spcPts val="0"/>
-              </a:spcAft>
-              <a:buClrTx/>
-              <a:buSzTx/>
-              <a:buFontTx/>
-              <a:buNone/>
-              <a:tabLst/>
-              <a:defRPr/>
-            </a:pPr>
             <a:r>
               <a:rPr kumimoji="1" lang="ja-JP" altLang="en-US" dirty="0"/>
-              <a:t>校外イベント</a:t>
-            </a:r>
-            <a:r>
-              <a:rPr kumimoji="1" lang="en-US" altLang="ja-JP" dirty="0"/>
-              <a:t>Room</a:t>
-            </a:r>
+              <a:t>真ん中にメッセージ欄</a:t>
+            </a:r>
+            <a:endParaRPr kumimoji="1" lang="en-US" altLang="ja-JP" dirty="0"/>
+          </a:p>
+          <a:p>
             <a:r>
               <a:rPr kumimoji="1" lang="ja-JP" altLang="en-US" dirty="0"/>
-              <a:t>（ボランティア活動など）</a:t>
+              <a:t>下部に名前とメッセージを入力欄があります。</a:t>
             </a:r>
             <a:endParaRPr kumimoji="1" lang="en-US" altLang="ja-JP" dirty="0"/>
           </a:p>
           <a:p>
-            <a:pPr marL="0" marR="0" lvl="0" indent="0" algn="l" defTabSz="914400" rtl="0" eaLnBrk="1" fontAlgn="auto" latinLnBrk="0" hangingPunct="1">
-              <a:lnSpc>
-                <a:spcPct val="100000"/>
-              </a:lnSpc>
-              <a:spcBef>
-                <a:spcPts val="0"/>
-              </a:spcBef>
-              <a:spcAft>
-                <a:spcPts val="0"/>
-              </a:spcAft>
-              <a:buClrTx/>
-              <a:buSzTx/>
-              <a:buFontTx/>
-              <a:buNone/>
-              <a:tabLst/>
-              <a:defRPr/>
-            </a:pPr>
             <a:r>
               <a:rPr kumimoji="1" lang="ja-JP" altLang="en-US" dirty="0"/>
-              <a:t>就活</a:t>
-            </a:r>
-            <a:r>
-              <a:rPr kumimoji="1" lang="en-US" altLang="ja-JP" dirty="0"/>
-              <a:t>Room</a:t>
-            </a:r>
+              <a:t>入力するとウィンドウに表示され、更新した情報「名前、メッセージ、時間」がウィンドウ内に表示されるようにしています</a:t>
+            </a:r>
+            <a:endParaRPr kumimoji="1" lang="en-US" altLang="ja-JP" dirty="0"/>
+          </a:p>
+          <a:p>
             <a:r>
               <a:rPr kumimoji="1" lang="ja-JP" altLang="en-US" dirty="0"/>
-              <a:t>（就活に関する情報の共有など）</a:t>
-            </a:r>
-            <a:endParaRPr kumimoji="1" lang="en-US" altLang="ja-JP" dirty="0"/>
-          </a:p>
-          <a:p>
-            <a:pPr marL="0" marR="0" lvl="0" indent="0" algn="l" defTabSz="914400" rtl="0" eaLnBrk="1" fontAlgn="auto" latinLnBrk="0" hangingPunct="1">
-              <a:lnSpc>
-                <a:spcPct val="100000"/>
-              </a:lnSpc>
-              <a:spcBef>
-                <a:spcPts val="0"/>
-              </a:spcBef>
-              <a:spcAft>
-                <a:spcPts val="0"/>
-              </a:spcAft>
-              <a:buClrTx/>
-              <a:buSzTx/>
-              <a:buFontTx/>
-              <a:buNone/>
-              <a:tabLst/>
-              <a:defRPr/>
-            </a:pPr>
-            <a:r>
-              <a:rPr kumimoji="1" lang="ja-JP" altLang="en-US" dirty="0"/>
-              <a:t>みんなの</a:t>
-            </a:r>
-            <a:r>
-              <a:rPr kumimoji="1" lang="en-US" altLang="ja-JP" dirty="0"/>
-              <a:t>Room</a:t>
-            </a:r>
-            <a:r>
-              <a:rPr kumimoji="1" lang="ja-JP" altLang="en-US" dirty="0"/>
-              <a:t>（その他のことで、なんでも話をしてもいい）です</a:t>
-            </a:r>
-            <a:endParaRPr kumimoji="1" lang="en-US" altLang="ja-JP" dirty="0"/>
-          </a:p>
-          <a:p>
-            <a:r>
-              <a:rPr kumimoji="1" lang="ja-JP" altLang="en-US" dirty="0"/>
-              <a:t>全ての</a:t>
-            </a:r>
-            <a:r>
-              <a:rPr kumimoji="1" lang="en-US" altLang="ja-JP" dirty="0"/>
-              <a:t>Room</a:t>
-            </a:r>
-            <a:r>
-              <a:rPr kumimoji="1" lang="ja-JP" altLang="en-US" dirty="0"/>
-              <a:t>はデータベース別で保存しています</a:t>
-            </a:r>
-            <a:endParaRPr kumimoji="1" lang="en-US" altLang="ja-JP" dirty="0"/>
-          </a:p>
-          <a:p>
-            <a:r>
-              <a:rPr kumimoji="1" lang="ja-JP" altLang="en-US" dirty="0"/>
-              <a:t>では、校外イベント</a:t>
-            </a:r>
-            <a:r>
-              <a:rPr kumimoji="1" lang="en-US" altLang="ja-JP" dirty="0"/>
-              <a:t>Room</a:t>
-            </a:r>
-            <a:r>
-              <a:rPr kumimoji="1" lang="ja-JP" altLang="en-US" dirty="0"/>
-              <a:t>に試しに入ってみます</a:t>
-            </a:r>
-            <a:endParaRPr kumimoji="1" lang="en-US" altLang="ja-JP" dirty="0"/>
+              <a:t>別日にコメント入力しても、メッセージの表示が割込み入力されないようにしています</a:t>
+            </a:r>
           </a:p>
         </p:txBody>
       </p:sp>
@@ -1117,129 +1145,6 @@
             <a:fld id="{ED9124C7-A5D6-4683-8ED6-F1F5B09ECF95}" type="slidenum">
               <a:rPr kumimoji="1" lang="ja-JP" altLang="en-US" smtClean="0"/>
               <a:t>5</a:t>
-            </a:fld>
-            <a:endParaRPr kumimoji="1" lang="ja-JP" altLang="en-US"/>
-          </a:p>
-        </p:txBody>
-      </p:sp>
-    </p:spTree>
-    <p:extLst>
-      <p:ext uri="{BB962C8B-B14F-4D97-AF65-F5344CB8AC3E}">
-        <p14:creationId xmlns:p14="http://schemas.microsoft.com/office/powerpoint/2010/main" val="2528253807"/>
-      </p:ext>
-    </p:extLst>
-  </p:cSld>
-  <p:clrMapOvr>
-    <a:masterClrMapping/>
-  </p:clrMapOvr>
-</p:notes>
-</file>
-
-<file path=ppt/notesSlides/notesSlide6.xml><?xml version="1.0" encoding="utf-8"?>
-<p:notes xmlns:a="http://schemas.openxmlformats.org/drawingml/2006/main" xmlns:r="http://schemas.openxmlformats.org/officeDocument/2006/relationships" xmlns:p="http://schemas.openxmlformats.org/presentationml/2006/main">
-  <p:cSld>
-    <p:spTree>
-      <p:nvGrpSpPr>
-        <p:cNvPr id="1" name=""/>
-        <p:cNvGrpSpPr/>
-        <p:nvPr/>
-      </p:nvGrpSpPr>
-      <p:grpSpPr>
-        <a:xfrm>
-          <a:off x="0" y="0"/>
-          <a:ext cx="0" cy="0"/>
-          <a:chOff x="0" y="0"/>
-          <a:chExt cx="0" cy="0"/>
-        </a:xfrm>
-      </p:grpSpPr>
-      <p:sp>
-        <p:nvSpPr>
-          <p:cNvPr id="2" name="スライド イメージ プレースホルダー 1"/>
-          <p:cNvSpPr>
-            <a:spLocks noGrp="1" noRot="1" noChangeAspect="1"/>
-          </p:cNvSpPr>
-          <p:nvPr>
-            <p:ph type="sldImg"/>
-          </p:nvPr>
-        </p:nvSpPr>
-        <p:spPr/>
-      </p:sp>
-      <p:sp>
-        <p:nvSpPr>
-          <p:cNvPr id="3" name="ノート プレースホルダー 2"/>
-          <p:cNvSpPr>
-            <a:spLocks noGrp="1"/>
-          </p:cNvSpPr>
-          <p:nvPr>
-            <p:ph type="body" idx="1"/>
-          </p:nvPr>
-        </p:nvSpPr>
-        <p:spPr/>
-        <p:txBody>
-          <a:bodyPr/>
-          <a:lstStyle/>
-          <a:p>
-            <a:r>
-              <a:rPr kumimoji="1" lang="ja-JP" altLang="en-US" dirty="0"/>
-              <a:t>上部にロゴとルーム名が表示されるので、</a:t>
-            </a:r>
-            <a:r>
-              <a:rPr kumimoji="1" lang="en-US" altLang="ja-JP" dirty="0"/>
-              <a:t>Room</a:t>
-            </a:r>
-            <a:r>
-              <a:rPr kumimoji="1" lang="ja-JP" altLang="en-US" dirty="0"/>
-              <a:t>間違いにならないようにしています。</a:t>
-            </a:r>
-            <a:endParaRPr kumimoji="1" lang="en-US" altLang="ja-JP" dirty="0"/>
-          </a:p>
-          <a:p>
-            <a:r>
-              <a:rPr kumimoji="1" lang="ja-JP" altLang="en-US" dirty="0"/>
-              <a:t>真ん中にメッセージ欄</a:t>
-            </a:r>
-            <a:endParaRPr kumimoji="1" lang="en-US" altLang="ja-JP" dirty="0"/>
-          </a:p>
-          <a:p>
-            <a:r>
-              <a:rPr kumimoji="1" lang="ja-JP" altLang="en-US" dirty="0"/>
-              <a:t>下部に名前とメッセージを入力欄があります。</a:t>
-            </a:r>
-            <a:endParaRPr kumimoji="1" lang="en-US" altLang="ja-JP" dirty="0"/>
-          </a:p>
-          <a:p>
-            <a:r>
-              <a:rPr kumimoji="1" lang="ja-JP" altLang="en-US" dirty="0"/>
-              <a:t>入力するとウィンドウに表示され、更新した情報「名前、メッセージ、時間」がウィンドウ内に表示されるようにしています</a:t>
-            </a:r>
-            <a:endParaRPr kumimoji="1" lang="en-US" altLang="ja-JP" dirty="0"/>
-          </a:p>
-          <a:p>
-            <a:r>
-              <a:rPr kumimoji="1" lang="ja-JP" altLang="en-US" dirty="0"/>
-              <a:t>別日にコメント入力しても、メッセージの表示が割込み入力されないようにしています</a:t>
-            </a:r>
-          </a:p>
-        </p:txBody>
-      </p:sp>
-      <p:sp>
-        <p:nvSpPr>
-          <p:cNvPr id="4" name="スライド番号プレースホルダー 3"/>
-          <p:cNvSpPr>
-            <a:spLocks noGrp="1"/>
-          </p:cNvSpPr>
-          <p:nvPr>
-            <p:ph type="sldNum" sz="quarter" idx="5"/>
-          </p:nvPr>
-        </p:nvSpPr>
-        <p:spPr/>
-        <p:txBody>
-          <a:bodyPr/>
-          <a:lstStyle/>
-          <a:p>
-            <a:fld id="{ED9124C7-A5D6-4683-8ED6-F1F5B09ECF95}" type="slidenum">
-              <a:rPr kumimoji="1" lang="ja-JP" altLang="en-US" smtClean="0"/>
-              <a:t>6</a:t>
             </a:fld>
             <a:endParaRPr kumimoji="1" lang="ja-JP" altLang="en-US"/>
           </a:p>
@@ -1405,7 +1310,7 @@
           <a:p>
             <a:fld id="{724715FE-B674-476C-BF52-73267CFAC7F5}" type="datetimeFigureOut">
               <a:rPr kumimoji="1" lang="ja-JP" altLang="en-US" smtClean="0"/>
-              <a:t>2024/9/13</a:t>
+              <a:t>2024/9/17</a:t>
             </a:fld>
             <a:endParaRPr kumimoji="1" lang="ja-JP" altLang="en-US"/>
           </a:p>
@@ -1635,7 +1540,7 @@
           <a:p>
             <a:fld id="{724715FE-B674-476C-BF52-73267CFAC7F5}" type="datetimeFigureOut">
               <a:rPr kumimoji="1" lang="ja-JP" altLang="en-US" smtClean="0"/>
-              <a:t>2024/9/13</a:t>
+              <a:t>2024/9/17</a:t>
             </a:fld>
             <a:endParaRPr kumimoji="1" lang="ja-JP" altLang="en-US"/>
           </a:p>
@@ -1875,7 +1780,7 @@
           <a:p>
             <a:fld id="{724715FE-B674-476C-BF52-73267CFAC7F5}" type="datetimeFigureOut">
               <a:rPr kumimoji="1" lang="ja-JP" altLang="en-US" smtClean="0"/>
-              <a:t>2024/9/13</a:t>
+              <a:t>2024/9/17</a:t>
             </a:fld>
             <a:endParaRPr kumimoji="1" lang="ja-JP" altLang="en-US"/>
           </a:p>
@@ -2105,7 +2010,7 @@
           <a:p>
             <a:fld id="{724715FE-B674-476C-BF52-73267CFAC7F5}" type="datetimeFigureOut">
               <a:rPr kumimoji="1" lang="ja-JP" altLang="en-US" smtClean="0"/>
-              <a:t>2024/9/13</a:t>
+              <a:t>2024/9/17</a:t>
             </a:fld>
             <a:endParaRPr kumimoji="1" lang="ja-JP" altLang="en-US"/>
           </a:p>
@@ -2380,7 +2285,7 @@
           <a:p>
             <a:fld id="{724715FE-B674-476C-BF52-73267CFAC7F5}" type="datetimeFigureOut">
               <a:rPr kumimoji="1" lang="ja-JP" altLang="en-US" smtClean="0"/>
-              <a:t>2024/9/13</a:t>
+              <a:t>2024/9/17</a:t>
             </a:fld>
             <a:endParaRPr kumimoji="1" lang="ja-JP" altLang="en-US"/>
           </a:p>
@@ -2709,7 +2614,7 @@
           <a:p>
             <a:fld id="{724715FE-B674-476C-BF52-73267CFAC7F5}" type="datetimeFigureOut">
               <a:rPr kumimoji="1" lang="ja-JP" altLang="en-US" smtClean="0"/>
-              <a:t>2024/9/13</a:t>
+              <a:t>2024/9/17</a:t>
             </a:fld>
             <a:endParaRPr kumimoji="1" lang="ja-JP" altLang="en-US"/>
           </a:p>
@@ -3185,7 +3090,7 @@
           <a:p>
             <a:fld id="{724715FE-B674-476C-BF52-73267CFAC7F5}" type="datetimeFigureOut">
               <a:rPr kumimoji="1" lang="ja-JP" altLang="en-US" smtClean="0"/>
-              <a:t>2024/9/13</a:t>
+              <a:t>2024/9/17</a:t>
             </a:fld>
             <a:endParaRPr kumimoji="1" lang="ja-JP" altLang="en-US"/>
           </a:p>
@@ -3326,7 +3231,7 @@
           <a:p>
             <a:fld id="{724715FE-B674-476C-BF52-73267CFAC7F5}" type="datetimeFigureOut">
               <a:rPr kumimoji="1" lang="ja-JP" altLang="en-US" smtClean="0"/>
-              <a:t>2024/9/13</a:t>
+              <a:t>2024/9/17</a:t>
             </a:fld>
             <a:endParaRPr kumimoji="1" lang="ja-JP" altLang="en-US"/>
           </a:p>
@@ -3439,7 +3344,7 @@
           <a:p>
             <a:fld id="{724715FE-B674-476C-BF52-73267CFAC7F5}" type="datetimeFigureOut">
               <a:rPr kumimoji="1" lang="ja-JP" altLang="en-US" smtClean="0"/>
-              <a:t>2024/9/13</a:t>
+              <a:t>2024/9/17</a:t>
             </a:fld>
             <a:endParaRPr kumimoji="1" lang="ja-JP" altLang="en-US"/>
           </a:p>
@@ -3782,7 +3687,7 @@
           <a:p>
             <a:fld id="{724715FE-B674-476C-BF52-73267CFAC7F5}" type="datetimeFigureOut">
               <a:rPr kumimoji="1" lang="ja-JP" altLang="en-US" smtClean="0"/>
-              <a:t>2024/9/13</a:t>
+              <a:t>2024/9/17</a:t>
             </a:fld>
             <a:endParaRPr kumimoji="1" lang="ja-JP" altLang="en-US"/>
           </a:p>
@@ -4070,7 +3975,7 @@
           <a:p>
             <a:fld id="{724715FE-B674-476C-BF52-73267CFAC7F5}" type="datetimeFigureOut">
               <a:rPr kumimoji="1" lang="ja-JP" altLang="en-US" smtClean="0"/>
-              <a:t>2024/9/13</a:t>
+              <a:t>2024/9/17</a:t>
             </a:fld>
             <a:endParaRPr kumimoji="1" lang="ja-JP" altLang="en-US"/>
           </a:p>
@@ -4343,7 +4248,7 @@
           <a:p>
             <a:fld id="{724715FE-B674-476C-BF52-73267CFAC7F5}" type="datetimeFigureOut">
               <a:rPr kumimoji="1" lang="ja-JP" altLang="en-US" smtClean="0"/>
-              <a:t>2024/9/13</a:t>
+              <a:t>2024/9/17</a:t>
             </a:fld>
             <a:endParaRPr kumimoji="1" lang="ja-JP" altLang="en-US"/>
           </a:p>
@@ -5226,426 +5131,6 @@
           <p:cNvPr id="2" name="タイトル 1">
             <a:extLst>
               <a:ext uri="{FF2B5EF4-FFF2-40B4-BE49-F238E27FC236}">
-                <a16:creationId xmlns:a16="http://schemas.microsoft.com/office/drawing/2014/main" id="{77EC49F5-7135-7D61-A99C-624DE6AE38A2}"/>
-              </a:ext>
-            </a:extLst>
-          </p:cNvPr>
-          <p:cNvSpPr>
-            <a:spLocks noGrp="1"/>
-          </p:cNvSpPr>
-          <p:nvPr>
-            <p:ph type="title"/>
-          </p:nvPr>
-        </p:nvSpPr>
-        <p:spPr/>
-        <p:txBody>
-          <a:bodyPr>
-            <a:normAutofit/>
-          </a:bodyPr>
-          <a:lstStyle/>
-          <a:p>
-            <a:pPr algn="ctr"/>
-            <a:r>
-              <a:rPr kumimoji="1" lang="ja-JP" altLang="en-US" b="1" dirty="0">
-                <a:solidFill>
-                  <a:srgbClr val="460000"/>
-                </a:solidFill>
-                <a:latin typeface="HGS創英角ﾎﾟｯﾌﾟ体" panose="040B0A00000000000000" pitchFamily="50" charset="-128"/>
-                <a:ea typeface="HGS創英角ﾎﾟｯﾌﾟ体" panose="040B0A00000000000000" pitchFamily="50" charset="-128"/>
-              </a:rPr>
-              <a:t>アプリ</a:t>
-            </a:r>
-            <a:r>
-              <a:rPr kumimoji="1" lang="ja-JP" altLang="en-US" sz="4800" b="1" dirty="0">
-                <a:solidFill>
-                  <a:srgbClr val="460000"/>
-                </a:solidFill>
-                <a:latin typeface="HGS創英角ﾎﾟｯﾌﾟ体" panose="040B0A00000000000000" pitchFamily="50" charset="-128"/>
-                <a:ea typeface="HGS創英角ﾎﾟｯﾌﾟ体" panose="040B0A00000000000000" pitchFamily="50" charset="-128"/>
-              </a:rPr>
-              <a:t>の目的</a:t>
-            </a:r>
-          </a:p>
-        </p:txBody>
-      </p:sp>
-      <p:sp>
-        <p:nvSpPr>
-          <p:cNvPr id="5" name="テキスト ボックス 4">
-            <a:extLst>
-              <a:ext uri="{FF2B5EF4-FFF2-40B4-BE49-F238E27FC236}">
-                <a16:creationId xmlns:a16="http://schemas.microsoft.com/office/drawing/2014/main" id="{6C342993-0F26-B698-3E43-AD79825683E4}"/>
-              </a:ext>
-            </a:extLst>
-          </p:cNvPr>
-          <p:cNvSpPr txBox="1"/>
-          <p:nvPr/>
-        </p:nvSpPr>
-        <p:spPr>
-          <a:xfrm>
-            <a:off x="1889185" y="2311879"/>
-            <a:ext cx="7315200" cy="461665"/>
-          </a:xfrm>
-          <a:prstGeom prst="rect">
-            <a:avLst/>
-          </a:prstGeom>
-          <a:noFill/>
-        </p:spPr>
-        <p:txBody>
-          <a:bodyPr wrap="square" rtlCol="0">
-            <a:spAutoFit/>
-          </a:bodyPr>
-          <a:lstStyle/>
-          <a:p>
-            <a:r>
-              <a:rPr kumimoji="1" lang="ja-JP" altLang="en-US" sz="2400" dirty="0">
-                <a:solidFill>
-                  <a:srgbClr val="460000"/>
-                </a:solidFill>
-                <a:latin typeface="HGS創英角ﾎﾟｯﾌﾟ体" panose="040B0A00000000000000" pitchFamily="50" charset="-128"/>
-                <a:ea typeface="HGS創英角ﾎﾟｯﾌﾟ体" panose="040B0A00000000000000" pitchFamily="50" charset="-128"/>
-              </a:rPr>
-              <a:t>コミュニケーションをとる</a:t>
-            </a:r>
-          </a:p>
-        </p:txBody>
-      </p:sp>
-      <p:sp>
-        <p:nvSpPr>
-          <p:cNvPr id="6" name="テキスト ボックス 5">
-            <a:extLst>
-              <a:ext uri="{FF2B5EF4-FFF2-40B4-BE49-F238E27FC236}">
-                <a16:creationId xmlns:a16="http://schemas.microsoft.com/office/drawing/2014/main" id="{278BFE21-6BB9-0B91-0B91-FBEE51271122}"/>
-              </a:ext>
-            </a:extLst>
-          </p:cNvPr>
-          <p:cNvSpPr txBox="1"/>
-          <p:nvPr/>
-        </p:nvSpPr>
-        <p:spPr>
-          <a:xfrm>
-            <a:off x="1949570" y="3605842"/>
-            <a:ext cx="5624422" cy="461665"/>
-          </a:xfrm>
-          <a:prstGeom prst="rect">
-            <a:avLst/>
-          </a:prstGeom>
-          <a:noFill/>
-        </p:spPr>
-        <p:txBody>
-          <a:bodyPr wrap="square" rtlCol="0">
-            <a:spAutoFit/>
-          </a:bodyPr>
-          <a:lstStyle/>
-          <a:p>
-            <a:r>
-              <a:rPr kumimoji="1" lang="ja-JP" altLang="en-US" sz="2400" dirty="0">
-                <a:solidFill>
-                  <a:srgbClr val="460000"/>
-                </a:solidFill>
-                <a:latin typeface="HGS創英角ﾎﾟｯﾌﾟ体" panose="040B0A00000000000000" pitchFamily="50" charset="-128"/>
-                <a:ea typeface="HGS創英角ﾎﾟｯﾌﾟ体" panose="040B0A00000000000000" pitchFamily="50" charset="-128"/>
-              </a:rPr>
-              <a:t>情報収集、共有をする</a:t>
-            </a:r>
-          </a:p>
-        </p:txBody>
-      </p:sp>
-      <p:pic>
-        <p:nvPicPr>
-          <p:cNvPr id="1028" name="Picture 4" descr="スマホを見る女の子">
-            <a:extLst>
-              <a:ext uri="{FF2B5EF4-FFF2-40B4-BE49-F238E27FC236}">
-                <a16:creationId xmlns:a16="http://schemas.microsoft.com/office/drawing/2014/main" id="{D7733300-4F4A-54E3-C210-1FA91E9DF33D}"/>
-              </a:ext>
-            </a:extLst>
-          </p:cNvPr>
-          <p:cNvPicPr>
-            <a:picLocks noChangeAspect="1" noChangeArrowheads="1"/>
-          </p:cNvPicPr>
-          <p:nvPr/>
-        </p:nvPicPr>
-        <p:blipFill>
-          <a:blip r:embed="rId3">
-            <a:extLst>
-              <a:ext uri="{28A0092B-C50C-407E-A947-70E740481C1C}">
-                <a14:useLocalDpi xmlns:a14="http://schemas.microsoft.com/office/drawing/2010/main" val="0"/>
-              </a:ext>
-            </a:extLst>
-          </a:blip>
-          <a:srcRect/>
-          <a:stretch>
-            <a:fillRect/>
-          </a:stretch>
-        </p:blipFill>
-        <p:spPr bwMode="auto">
-          <a:xfrm>
-            <a:off x="7901796" y="3252158"/>
-            <a:ext cx="3314183" cy="2993366"/>
-          </a:xfrm>
-          <a:prstGeom prst="rect">
-            <a:avLst/>
-          </a:prstGeom>
-          <a:noFill/>
-          <a:extLst>
-            <a:ext uri="{909E8E84-426E-40DD-AFC4-6F175D3DCCD1}">
-              <a14:hiddenFill xmlns:a14="http://schemas.microsoft.com/office/drawing/2010/main">
-                <a:solidFill>
-                  <a:srgbClr val="FFFFFF"/>
-                </a:solidFill>
-              </a14:hiddenFill>
-            </a:ext>
-          </a:extLst>
-        </p:spPr>
-      </p:pic>
-    </p:spTree>
-    <p:extLst>
-      <p:ext uri="{BB962C8B-B14F-4D97-AF65-F5344CB8AC3E}">
-        <p14:creationId xmlns:p14="http://schemas.microsoft.com/office/powerpoint/2010/main" val="3716077112"/>
-      </p:ext>
-    </p:extLst>
-  </p:cSld>
-  <p:clrMapOvr>
-    <a:masterClrMapping/>
-  </p:clrMapOvr>
-  <p:timing>
-    <p:tnLst>
-      <p:par>
-        <p:cTn id="1" dur="indefinite" restart="never" nodeType="tmRoot">
-          <p:childTnLst>
-            <p:seq concurrent="1" nextAc="seek">
-              <p:cTn id="2" dur="indefinite" nodeType="mainSeq">
-                <p:childTnLst>
-                  <p:par>
-                    <p:cTn id="3" fill="hold">
-                      <p:stCondLst>
-                        <p:cond delay="indefinite"/>
-                        <p:cond evt="onBegin" delay="0">
-                          <p:tn val="2"/>
-                        </p:cond>
-                      </p:stCondLst>
-                      <p:childTnLst>
-                        <p:par>
-                          <p:cTn id="4" fill="hold">
-                            <p:stCondLst>
-                              <p:cond delay="0"/>
-                            </p:stCondLst>
-                            <p:childTnLst>
-                              <p:par>
-                                <p:cTn id="5" presetID="10" presetClass="entr" presetSubtype="0" fill="hold" grpId="0" nodeType="afterEffect">
-                                  <p:stCondLst>
-                                    <p:cond delay="0"/>
-                                  </p:stCondLst>
-                                  <p:childTnLst>
-                                    <p:set>
-                                      <p:cBhvr>
-                                        <p:cTn id="6" dur="1" fill="hold">
-                                          <p:stCondLst>
-                                            <p:cond delay="0"/>
-                                          </p:stCondLst>
-                                        </p:cTn>
-                                        <p:tgtEl>
-                                          <p:spTgt spid="2"/>
-                                        </p:tgtEl>
-                                        <p:attrNameLst>
-                                          <p:attrName>style.visibility</p:attrName>
-                                        </p:attrNameLst>
-                                      </p:cBhvr>
-                                      <p:to>
-                                        <p:strVal val="visible"/>
-                                      </p:to>
-                                    </p:set>
-                                    <p:animEffect transition="in" filter="fade">
-                                      <p:cBhvr>
-                                        <p:cTn id="7" dur="500"/>
-                                        <p:tgtEl>
-                                          <p:spTgt spid="2"/>
-                                        </p:tgtEl>
-                                      </p:cBhvr>
-                                    </p:animEffect>
-                                  </p:childTnLst>
-                                </p:cTn>
-                              </p:par>
-                            </p:childTnLst>
-                          </p:cTn>
-                        </p:par>
-                        <p:par>
-                          <p:cTn id="8" fill="hold">
-                            <p:stCondLst>
-                              <p:cond delay="500"/>
-                            </p:stCondLst>
-                            <p:childTnLst>
-                              <p:par>
-                                <p:cTn id="9" presetID="10" presetClass="entr" presetSubtype="0" fill="hold" grpId="0" nodeType="afterEffect">
-                                  <p:stCondLst>
-                                    <p:cond delay="1500"/>
-                                  </p:stCondLst>
-                                  <p:childTnLst>
-                                    <p:set>
-                                      <p:cBhvr>
-                                        <p:cTn id="10" dur="1" fill="hold">
-                                          <p:stCondLst>
-                                            <p:cond delay="0"/>
-                                          </p:stCondLst>
-                                        </p:cTn>
-                                        <p:tgtEl>
-                                          <p:spTgt spid="5"/>
-                                        </p:tgtEl>
-                                        <p:attrNameLst>
-                                          <p:attrName>style.visibility</p:attrName>
-                                        </p:attrNameLst>
-                                      </p:cBhvr>
-                                      <p:to>
-                                        <p:strVal val="visible"/>
-                                      </p:to>
-                                    </p:set>
-                                    <p:animEffect transition="in" filter="fade">
-                                      <p:cBhvr>
-                                        <p:cTn id="11" dur="500"/>
-                                        <p:tgtEl>
-                                          <p:spTgt spid="5"/>
-                                        </p:tgtEl>
-                                      </p:cBhvr>
-                                    </p:animEffect>
-                                  </p:childTnLst>
-                                </p:cTn>
-                              </p:par>
-                              <p:par>
-                                <p:cTn id="12" presetID="10" presetClass="entr" presetSubtype="0" fill="hold" nodeType="withEffect">
-                                  <p:stCondLst>
-                                    <p:cond delay="1500"/>
-                                  </p:stCondLst>
-                                  <p:childTnLst>
-                                    <p:set>
-                                      <p:cBhvr>
-                                        <p:cTn id="13" dur="1" fill="hold">
-                                          <p:stCondLst>
-                                            <p:cond delay="0"/>
-                                          </p:stCondLst>
-                                        </p:cTn>
-                                        <p:tgtEl>
-                                          <p:spTgt spid="1028"/>
-                                        </p:tgtEl>
-                                        <p:attrNameLst>
-                                          <p:attrName>style.visibility</p:attrName>
-                                        </p:attrNameLst>
-                                      </p:cBhvr>
-                                      <p:to>
-                                        <p:strVal val="visible"/>
-                                      </p:to>
-                                    </p:set>
-                                    <p:animEffect transition="in" filter="fade">
-                                      <p:cBhvr>
-                                        <p:cTn id="14" dur="500"/>
-                                        <p:tgtEl>
-                                          <p:spTgt spid="1028"/>
-                                        </p:tgtEl>
-                                      </p:cBhvr>
-                                    </p:animEffect>
-                                  </p:childTnLst>
-                                </p:cTn>
-                              </p:par>
-                            </p:childTnLst>
-                          </p:cTn>
-                        </p:par>
-                        <p:par>
-                          <p:cTn id="15" fill="hold">
-                            <p:stCondLst>
-                              <p:cond delay="2500"/>
-                            </p:stCondLst>
-                            <p:childTnLst>
-                              <p:par>
-                                <p:cTn id="16" presetID="10" presetClass="entr" presetSubtype="0" fill="hold" grpId="0" nodeType="afterEffect">
-                                  <p:stCondLst>
-                                    <p:cond delay="750"/>
-                                  </p:stCondLst>
-                                  <p:childTnLst>
-                                    <p:set>
-                                      <p:cBhvr>
-                                        <p:cTn id="17" dur="1" fill="hold">
-                                          <p:stCondLst>
-                                            <p:cond delay="0"/>
-                                          </p:stCondLst>
-                                        </p:cTn>
-                                        <p:tgtEl>
-                                          <p:spTgt spid="6"/>
-                                        </p:tgtEl>
-                                        <p:attrNameLst>
-                                          <p:attrName>style.visibility</p:attrName>
-                                        </p:attrNameLst>
-                                      </p:cBhvr>
-                                      <p:to>
-                                        <p:strVal val="visible"/>
-                                      </p:to>
-                                    </p:set>
-                                    <p:animEffect transition="in" filter="fade">
-                                      <p:cBhvr>
-                                        <p:cTn id="18" dur="500"/>
-                                        <p:tgtEl>
-                                          <p:spTgt spid="6"/>
-                                        </p:tgtEl>
-                                      </p:cBhvr>
-                                    </p:animEffect>
-                                  </p:childTnLst>
-                                </p:cTn>
-                              </p:par>
-                            </p:childTnLst>
-                          </p:cTn>
-                        </p:par>
-                      </p:childTnLst>
-                    </p:cTn>
-                  </p:par>
-                </p:childTnLst>
-              </p:cTn>
-              <p:prevCondLst>
-                <p:cond evt="onPrev" delay="0">
-                  <p:tgtEl>
-                    <p:sldTgt/>
-                  </p:tgtEl>
-                </p:cond>
-              </p:prevCondLst>
-              <p:nextCondLst>
-                <p:cond evt="onNext" delay="0">
-                  <p:tgtEl>
-                    <p:sldTgt/>
-                  </p:tgtEl>
-                </p:cond>
-              </p:nextCondLst>
-            </p:seq>
-          </p:childTnLst>
-        </p:cTn>
-      </p:par>
-    </p:tnLst>
-    <p:bldLst>
-      <p:bldP spid="2" grpId="0"/>
-      <p:bldP spid="5" grpId="0"/>
-      <p:bldP spid="6" grpId="0"/>
-    </p:bldLst>
-  </p:timing>
-</p:sld>
-</file>
-
-<file path=ppt/slides/slide3.xml><?xml version="1.0" encoding="utf-8"?>
-<p:sld xmlns:a="http://schemas.openxmlformats.org/drawingml/2006/main" xmlns:r="http://schemas.openxmlformats.org/officeDocument/2006/relationships" xmlns:p="http://schemas.openxmlformats.org/presentationml/2006/main">
-  <p:cSld>
-    <p:spTree>
-      <p:nvGrpSpPr>
-        <p:cNvPr id="1" name=""/>
-        <p:cNvGrpSpPr/>
-        <p:nvPr/>
-      </p:nvGrpSpPr>
-      <p:grpSpPr>
-        <a:xfrm>
-          <a:off x="0" y="0"/>
-          <a:ext cx="0" cy="0"/>
-          <a:chOff x="0" y="0"/>
-          <a:chExt cx="0" cy="0"/>
-        </a:xfrm>
-      </p:grpSpPr>
-      <p:sp>
-        <p:nvSpPr>
-          <p:cNvPr id="2" name="タイトル 1">
-            <a:extLst>
-              <a:ext uri="{FF2B5EF4-FFF2-40B4-BE49-F238E27FC236}">
                 <a16:creationId xmlns:a16="http://schemas.microsoft.com/office/drawing/2014/main" id="{271304B3-3A9C-4E4C-2652-65BB7A5CEC8B}"/>
               </a:ext>
             </a:extLst>
@@ -5739,7 +5224,7 @@
         </p:nvSpPr>
         <p:spPr>
           <a:xfrm>
-            <a:off x="1155940" y="2527540"/>
+            <a:off x="1155940" y="3986120"/>
             <a:ext cx="7413902" cy="461665"/>
           </a:xfrm>
           <a:prstGeom prst="rect">
@@ -5762,6 +5247,88 @@
                 <a:ea typeface="HGS創英角ﾎﾟｯﾌﾟ体" panose="040B0A00000000000000" pitchFamily="50" charset="-128"/>
               </a:rPr>
               <a:t>目的別の部屋に分かれて自由にチャットができる</a:t>
+            </a:r>
+          </a:p>
+        </p:txBody>
+      </p:sp>
+      <p:sp>
+        <p:nvSpPr>
+          <p:cNvPr id="5" name="テキスト ボックス 4">
+            <a:extLst>
+              <a:ext uri="{FF2B5EF4-FFF2-40B4-BE49-F238E27FC236}">
+                <a16:creationId xmlns:a16="http://schemas.microsoft.com/office/drawing/2014/main" id="{4D4108D0-0FB9-4F03-9273-7FFCD8747983}"/>
+              </a:ext>
+            </a:extLst>
+          </p:cNvPr>
+          <p:cNvSpPr txBox="1"/>
+          <p:nvPr/>
+        </p:nvSpPr>
+        <p:spPr>
+          <a:xfrm>
+            <a:off x="1155940" y="1805137"/>
+            <a:ext cx="7315200" cy="461665"/>
+          </a:xfrm>
+          <a:prstGeom prst="rect">
+            <a:avLst/>
+          </a:prstGeom>
+          <a:noFill/>
+        </p:spPr>
+        <p:txBody>
+          <a:bodyPr wrap="square" rtlCol="0">
+            <a:spAutoFit/>
+          </a:bodyPr>
+          <a:lstStyle/>
+          <a:p>
+            <a:r>
+              <a:rPr kumimoji="1" lang="ja-JP" altLang="en-US" sz="2400" dirty="0">
+                <a:solidFill>
+                  <a:srgbClr val="460000"/>
+                </a:solidFill>
+                <a:latin typeface="HGS創英角ﾎﾟｯﾌﾟ体" panose="040B0A00000000000000" pitchFamily="50" charset="-128"/>
+                <a:ea typeface="HGS創英角ﾎﾟｯﾌﾟ体" panose="040B0A00000000000000" pitchFamily="50" charset="-128"/>
+              </a:rPr>
+              <a:t>コミュニケーションをとる</a:t>
+            </a:r>
+          </a:p>
+        </p:txBody>
+      </p:sp>
+      <p:sp>
+        <p:nvSpPr>
+          <p:cNvPr id="6" name="テキスト ボックス 5">
+            <a:extLst>
+              <a:ext uri="{FF2B5EF4-FFF2-40B4-BE49-F238E27FC236}">
+                <a16:creationId xmlns:a16="http://schemas.microsoft.com/office/drawing/2014/main" id="{38B04883-179B-4D54-8095-8A8B799C4A1B}"/>
+              </a:ext>
+            </a:extLst>
+          </p:cNvPr>
+          <p:cNvSpPr txBox="1"/>
+          <p:nvPr/>
+        </p:nvSpPr>
+        <p:spPr>
+          <a:xfrm>
+            <a:off x="1155940" y="2871880"/>
+            <a:ext cx="5624422" cy="461665"/>
+          </a:xfrm>
+          <a:prstGeom prst="rect">
+            <a:avLst/>
+          </a:prstGeom>
+          <a:noFill/>
+        </p:spPr>
+        <p:txBody>
+          <a:bodyPr wrap="square" rtlCol="0">
+            <a:spAutoFit/>
+          </a:bodyPr>
+          <a:lstStyle/>
+          <a:p>
+            <a:r>
+              <a:rPr kumimoji="1" lang="ja-JP" altLang="en-US" sz="2400" dirty="0">
+                <a:solidFill>
+                  <a:srgbClr val="460000"/>
+                </a:solidFill>
+                <a:latin typeface="HGS創英角ﾎﾟｯﾌﾟ体" panose="040B0A00000000000000" pitchFamily="50" charset="-128"/>
+                <a:ea typeface="HGS創英角ﾎﾟｯﾌﾟ体" panose="040B0A00000000000000" pitchFamily="50" charset="-128"/>
+              </a:rPr>
+              <a:t>情報収集、共有をする</a:t>
             </a:r>
           </a:p>
         </p:txBody>
@@ -5872,6 +5439,94 @@
                             </p:childTnLst>
                           </p:cTn>
                         </p:par>
+                        <p:par>
+                          <p:cTn id="11" fill="hold">
+                            <p:stCondLst>
+                              <p:cond delay="2000"/>
+                            </p:stCondLst>
+                            <p:childTnLst>
+                              <p:par>
+                                <p:cTn id="12" presetID="10" presetClass="entr" presetSubtype="0" fill="hold" grpId="0" nodeType="afterEffect">
+                                  <p:stCondLst>
+                                    <p:cond delay="1500"/>
+                                  </p:stCondLst>
+                                  <p:childTnLst>
+                                    <p:set>
+                                      <p:cBhvr>
+                                        <p:cTn id="13" dur="1" fill="hold">
+                                          <p:stCondLst>
+                                            <p:cond delay="0"/>
+                                          </p:stCondLst>
+                                        </p:cTn>
+                                        <p:tgtEl>
+                                          <p:spTgt spid="5"/>
+                                        </p:tgtEl>
+                                        <p:attrNameLst>
+                                          <p:attrName>style.visibility</p:attrName>
+                                        </p:attrNameLst>
+                                      </p:cBhvr>
+                                      <p:to>
+                                        <p:strVal val="visible"/>
+                                      </p:to>
+                                    </p:set>
+                                    <p:animEffect transition="in" filter="fade">
+                                      <p:cBhvr>
+                                        <p:cTn id="14" dur="500"/>
+                                        <p:tgtEl>
+                                          <p:spTgt spid="5"/>
+                                        </p:tgtEl>
+                                      </p:cBhvr>
+                                    </p:animEffect>
+                                  </p:childTnLst>
+                                </p:cTn>
+                              </p:par>
+                            </p:childTnLst>
+                          </p:cTn>
+                        </p:par>
+                        <p:par>
+                          <p:cTn id="15" fill="hold">
+                            <p:stCondLst>
+                              <p:cond delay="4000"/>
+                            </p:stCondLst>
+                            <p:childTnLst>
+                              <p:par>
+                                <p:cTn id="16" presetID="10" presetClass="entr" presetSubtype="0" fill="hold" grpId="0" nodeType="afterEffect">
+                                  <p:stCondLst>
+                                    <p:cond delay="750"/>
+                                  </p:stCondLst>
+                                  <p:childTnLst>
+                                    <p:set>
+                                      <p:cBhvr>
+                                        <p:cTn id="17" dur="1" fill="hold">
+                                          <p:stCondLst>
+                                            <p:cond delay="0"/>
+                                          </p:stCondLst>
+                                        </p:cTn>
+                                        <p:tgtEl>
+                                          <p:spTgt spid="6"/>
+                                        </p:tgtEl>
+                                        <p:attrNameLst>
+                                          <p:attrName>style.visibility</p:attrName>
+                                        </p:attrNameLst>
+                                      </p:cBhvr>
+                                      <p:to>
+                                        <p:strVal val="visible"/>
+                                      </p:to>
+                                    </p:set>
+                                    <p:animEffect transition="in" filter="fade">
+                                      <p:cBhvr>
+                                        <p:cTn id="18" dur="500"/>
+                                        <p:tgtEl>
+                                          <p:spTgt spid="6"/>
+                                        </p:tgtEl>
+                                      </p:cBhvr>
+                                    </p:animEffect>
+                                  </p:childTnLst>
+                                </p:cTn>
+                              </p:par>
+                            </p:childTnLst>
+                          </p:cTn>
+                        </p:par>
                       </p:childTnLst>
                     </p:cTn>
                   </p:par>
@@ -5898,12 +5553,14 @@
     </p:tnLst>
     <p:bldLst>
       <p:bldP spid="4" grpId="0"/>
+      <p:bldP spid="5" grpId="0"/>
+      <p:bldP spid="6" grpId="0"/>
     </p:bldLst>
   </p:timing>
 </p:sld>
 </file>
 
-<file path=ppt/slides/slide4.xml><?xml version="1.0" encoding="utf-8"?>
+<file path=ppt/slides/slide3.xml><?xml version="1.0" encoding="utf-8"?>
 <p:sld xmlns:a="http://schemas.openxmlformats.org/drawingml/2006/main" xmlns:r="http://schemas.openxmlformats.org/officeDocument/2006/relationships" xmlns:p="http://schemas.openxmlformats.org/presentationml/2006/main">
   <p:cSld>
     <p:spTree>
@@ -6013,7 +5670,7 @@
 </p:sld>
 </file>
 
-<file path=ppt/slides/slide5.xml><?xml version="1.0" encoding="utf-8"?>
+<file path=ppt/slides/slide4.xml><?xml version="1.0" encoding="utf-8"?>
 <p:sld xmlns:a="http://schemas.openxmlformats.org/drawingml/2006/main" xmlns:r="http://schemas.openxmlformats.org/officeDocument/2006/relationships" xmlns:p="http://schemas.openxmlformats.org/presentationml/2006/main">
   <p:cSld>
     <p:spTree>
@@ -6124,7 +5781,7 @@
 </p:sld>
 </file>
 
-<file path=ppt/slides/slide6.xml><?xml version="1.0" encoding="utf-8"?>
+<file path=ppt/slides/slide5.xml><?xml version="1.0" encoding="utf-8"?>
 <p:sld xmlns:a="http://schemas.openxmlformats.org/drawingml/2006/main" xmlns:r="http://schemas.openxmlformats.org/officeDocument/2006/relationships" xmlns:p="http://schemas.openxmlformats.org/presentationml/2006/main">
   <p:cSld>
     <p:spTree>
@@ -6252,7 +5909,7 @@
 </p:sld>
 </file>
 
-<file path=ppt/slides/slide7.xml><?xml version="1.0" encoding="utf-8"?>
+<file path=ppt/slides/slide6.xml><?xml version="1.0" encoding="utf-8"?>
 <p:sld xmlns:a="http://schemas.openxmlformats.org/drawingml/2006/main" xmlns:r="http://schemas.openxmlformats.org/officeDocument/2006/relationships" xmlns:p="http://schemas.openxmlformats.org/presentationml/2006/main">
   <p:cSld>
     <p:spTree>

--- a/プレゼン.pptx
+++ b/プレゼン.pptx
@@ -202,7 +202,7 @@
           <a:p>
             <a:fld id="{15151F94-B430-4360-9A44-0FFB898CA081}" type="datetimeFigureOut">
               <a:rPr kumimoji="1" lang="ja-JP" altLang="en-US" smtClean="0"/>
-              <a:t>2024/9/17</a:t>
+              <a:t>2024/9/18</a:t>
             </a:fld>
             <a:endParaRPr kumimoji="1" lang="ja-JP" altLang="en-US"/>
           </a:p>
@@ -1124,6 +1124,23 @@
               <a:rPr kumimoji="1" lang="ja-JP" altLang="en-US" dirty="0"/>
               <a:t>別日にコメント入力しても、メッセージの表示が割込み入力されないようにしています</a:t>
             </a:r>
+            <a:endParaRPr kumimoji="1" lang="en-US" altLang="ja-JP" dirty="0"/>
+          </a:p>
+          <a:p>
+            <a:endParaRPr kumimoji="1" lang="en-US" altLang="ja-JP" dirty="0"/>
+          </a:p>
+          <a:p>
+            <a:r>
+              <a:rPr kumimoji="1" lang="ja-JP" altLang="en-US" dirty="0"/>
+              <a:t>メッセージ欄は入力文字が多くなり見えにくくなると、調整でウィンドウ幅を変更することができます</a:t>
+            </a:r>
+            <a:endParaRPr kumimoji="1" lang="en-US" altLang="ja-JP" dirty="0"/>
+          </a:p>
+          <a:p>
+            <a:r>
+              <a:rPr kumimoji="1" lang="ja-JP" altLang="en-US" dirty="0"/>
+              <a:t>どの部屋からもメインルームに戻ることができ、ログアウトを押すとログイン画面に飛ぶようにしています</a:t>
+            </a:r>
           </a:p>
         </p:txBody>
       </p:sp>
@@ -1310,7 +1327,7 @@
           <a:p>
             <a:fld id="{724715FE-B674-476C-BF52-73267CFAC7F5}" type="datetimeFigureOut">
               <a:rPr kumimoji="1" lang="ja-JP" altLang="en-US" smtClean="0"/>
-              <a:t>2024/9/17</a:t>
+              <a:t>2024/9/18</a:t>
             </a:fld>
             <a:endParaRPr kumimoji="1" lang="ja-JP" altLang="en-US"/>
           </a:p>
@@ -1540,7 +1557,7 @@
           <a:p>
             <a:fld id="{724715FE-B674-476C-BF52-73267CFAC7F5}" type="datetimeFigureOut">
               <a:rPr kumimoji="1" lang="ja-JP" altLang="en-US" smtClean="0"/>
-              <a:t>2024/9/17</a:t>
+              <a:t>2024/9/18</a:t>
             </a:fld>
             <a:endParaRPr kumimoji="1" lang="ja-JP" altLang="en-US"/>
           </a:p>
@@ -1780,7 +1797,7 @@
           <a:p>
             <a:fld id="{724715FE-B674-476C-BF52-73267CFAC7F5}" type="datetimeFigureOut">
               <a:rPr kumimoji="1" lang="ja-JP" altLang="en-US" smtClean="0"/>
-              <a:t>2024/9/17</a:t>
+              <a:t>2024/9/18</a:t>
             </a:fld>
             <a:endParaRPr kumimoji="1" lang="ja-JP" altLang="en-US"/>
           </a:p>
@@ -2010,7 +2027,7 @@
           <a:p>
             <a:fld id="{724715FE-B674-476C-BF52-73267CFAC7F5}" type="datetimeFigureOut">
               <a:rPr kumimoji="1" lang="ja-JP" altLang="en-US" smtClean="0"/>
-              <a:t>2024/9/17</a:t>
+              <a:t>2024/9/18</a:t>
             </a:fld>
             <a:endParaRPr kumimoji="1" lang="ja-JP" altLang="en-US"/>
           </a:p>
@@ -2285,7 +2302,7 @@
           <a:p>
             <a:fld id="{724715FE-B674-476C-BF52-73267CFAC7F5}" type="datetimeFigureOut">
               <a:rPr kumimoji="1" lang="ja-JP" altLang="en-US" smtClean="0"/>
-              <a:t>2024/9/17</a:t>
+              <a:t>2024/9/18</a:t>
             </a:fld>
             <a:endParaRPr kumimoji="1" lang="ja-JP" altLang="en-US"/>
           </a:p>
@@ -2614,7 +2631,7 @@
           <a:p>
             <a:fld id="{724715FE-B674-476C-BF52-73267CFAC7F5}" type="datetimeFigureOut">
               <a:rPr kumimoji="1" lang="ja-JP" altLang="en-US" smtClean="0"/>
-              <a:t>2024/9/17</a:t>
+              <a:t>2024/9/18</a:t>
             </a:fld>
             <a:endParaRPr kumimoji="1" lang="ja-JP" altLang="en-US"/>
           </a:p>
@@ -3090,7 +3107,7 @@
           <a:p>
             <a:fld id="{724715FE-B674-476C-BF52-73267CFAC7F5}" type="datetimeFigureOut">
               <a:rPr kumimoji="1" lang="ja-JP" altLang="en-US" smtClean="0"/>
-              <a:t>2024/9/17</a:t>
+              <a:t>2024/9/18</a:t>
             </a:fld>
             <a:endParaRPr kumimoji="1" lang="ja-JP" altLang="en-US"/>
           </a:p>
@@ -3231,7 +3248,7 @@
           <a:p>
             <a:fld id="{724715FE-B674-476C-BF52-73267CFAC7F5}" type="datetimeFigureOut">
               <a:rPr kumimoji="1" lang="ja-JP" altLang="en-US" smtClean="0"/>
-              <a:t>2024/9/17</a:t>
+              <a:t>2024/9/18</a:t>
             </a:fld>
             <a:endParaRPr kumimoji="1" lang="ja-JP" altLang="en-US"/>
           </a:p>
@@ -3344,7 +3361,7 @@
           <a:p>
             <a:fld id="{724715FE-B674-476C-BF52-73267CFAC7F5}" type="datetimeFigureOut">
               <a:rPr kumimoji="1" lang="ja-JP" altLang="en-US" smtClean="0"/>
-              <a:t>2024/9/17</a:t>
+              <a:t>2024/9/18</a:t>
             </a:fld>
             <a:endParaRPr kumimoji="1" lang="ja-JP" altLang="en-US"/>
           </a:p>
@@ -3687,7 +3704,7 @@
           <a:p>
             <a:fld id="{724715FE-B674-476C-BF52-73267CFAC7F5}" type="datetimeFigureOut">
               <a:rPr kumimoji="1" lang="ja-JP" altLang="en-US" smtClean="0"/>
-              <a:t>2024/9/17</a:t>
+              <a:t>2024/9/18</a:t>
             </a:fld>
             <a:endParaRPr kumimoji="1" lang="ja-JP" altLang="en-US"/>
           </a:p>
@@ -3975,7 +3992,7 @@
           <a:p>
             <a:fld id="{724715FE-B674-476C-BF52-73267CFAC7F5}" type="datetimeFigureOut">
               <a:rPr kumimoji="1" lang="ja-JP" altLang="en-US" smtClean="0"/>
-              <a:t>2024/9/17</a:t>
+              <a:t>2024/9/18</a:t>
             </a:fld>
             <a:endParaRPr kumimoji="1" lang="ja-JP" altLang="en-US"/>
           </a:p>
@@ -4248,7 +4265,7 @@
           <a:p>
             <a:fld id="{724715FE-B674-476C-BF52-73267CFAC7F5}" type="datetimeFigureOut">
               <a:rPr kumimoji="1" lang="ja-JP" altLang="en-US" smtClean="0"/>
-              <a:t>2024/9/17</a:t>
+              <a:t>2024/9/18</a:t>
             </a:fld>
             <a:endParaRPr kumimoji="1" lang="ja-JP" altLang="en-US"/>
           </a:p>

--- a/プレゼン.pptx
+++ b/プレゼン.pptx
@@ -202,7 +202,7 @@
           <a:p>
             <a:fld id="{15151F94-B430-4360-9A44-0FFB898CA081}" type="datetimeFigureOut">
               <a:rPr kumimoji="1" lang="ja-JP" altLang="en-US" smtClean="0"/>
-              <a:t>2024/9/18</a:t>
+              <a:t>2024/9/20</a:t>
             </a:fld>
             <a:endParaRPr kumimoji="1" lang="ja-JP" altLang="en-US"/>
           </a:p>
@@ -1327,7 +1327,7 @@
           <a:p>
             <a:fld id="{724715FE-B674-476C-BF52-73267CFAC7F5}" type="datetimeFigureOut">
               <a:rPr kumimoji="1" lang="ja-JP" altLang="en-US" smtClean="0"/>
-              <a:t>2024/9/18</a:t>
+              <a:t>2024/9/20</a:t>
             </a:fld>
             <a:endParaRPr kumimoji="1" lang="ja-JP" altLang="en-US"/>
           </a:p>
@@ -1557,7 +1557,7 @@
           <a:p>
             <a:fld id="{724715FE-B674-476C-BF52-73267CFAC7F5}" type="datetimeFigureOut">
               <a:rPr kumimoji="1" lang="ja-JP" altLang="en-US" smtClean="0"/>
-              <a:t>2024/9/18</a:t>
+              <a:t>2024/9/20</a:t>
             </a:fld>
             <a:endParaRPr kumimoji="1" lang="ja-JP" altLang="en-US"/>
           </a:p>
@@ -1797,7 +1797,7 @@
           <a:p>
             <a:fld id="{724715FE-B674-476C-BF52-73267CFAC7F5}" type="datetimeFigureOut">
               <a:rPr kumimoji="1" lang="ja-JP" altLang="en-US" smtClean="0"/>
-              <a:t>2024/9/18</a:t>
+              <a:t>2024/9/20</a:t>
             </a:fld>
             <a:endParaRPr kumimoji="1" lang="ja-JP" altLang="en-US"/>
           </a:p>
@@ -2027,7 +2027,7 @@
           <a:p>
             <a:fld id="{724715FE-B674-476C-BF52-73267CFAC7F5}" type="datetimeFigureOut">
               <a:rPr kumimoji="1" lang="ja-JP" altLang="en-US" smtClean="0"/>
-              <a:t>2024/9/18</a:t>
+              <a:t>2024/9/20</a:t>
             </a:fld>
             <a:endParaRPr kumimoji="1" lang="ja-JP" altLang="en-US"/>
           </a:p>
@@ -2302,7 +2302,7 @@
           <a:p>
             <a:fld id="{724715FE-B674-476C-BF52-73267CFAC7F5}" type="datetimeFigureOut">
               <a:rPr kumimoji="1" lang="ja-JP" altLang="en-US" smtClean="0"/>
-              <a:t>2024/9/18</a:t>
+              <a:t>2024/9/20</a:t>
             </a:fld>
             <a:endParaRPr kumimoji="1" lang="ja-JP" altLang="en-US"/>
           </a:p>
@@ -2631,7 +2631,7 @@
           <a:p>
             <a:fld id="{724715FE-B674-476C-BF52-73267CFAC7F5}" type="datetimeFigureOut">
               <a:rPr kumimoji="1" lang="ja-JP" altLang="en-US" smtClean="0"/>
-              <a:t>2024/9/18</a:t>
+              <a:t>2024/9/20</a:t>
             </a:fld>
             <a:endParaRPr kumimoji="1" lang="ja-JP" altLang="en-US"/>
           </a:p>
@@ -3107,7 +3107,7 @@
           <a:p>
             <a:fld id="{724715FE-B674-476C-BF52-73267CFAC7F5}" type="datetimeFigureOut">
               <a:rPr kumimoji="1" lang="ja-JP" altLang="en-US" smtClean="0"/>
-              <a:t>2024/9/18</a:t>
+              <a:t>2024/9/20</a:t>
             </a:fld>
             <a:endParaRPr kumimoji="1" lang="ja-JP" altLang="en-US"/>
           </a:p>
@@ -3248,7 +3248,7 @@
           <a:p>
             <a:fld id="{724715FE-B674-476C-BF52-73267CFAC7F5}" type="datetimeFigureOut">
               <a:rPr kumimoji="1" lang="ja-JP" altLang="en-US" smtClean="0"/>
-              <a:t>2024/9/18</a:t>
+              <a:t>2024/9/20</a:t>
             </a:fld>
             <a:endParaRPr kumimoji="1" lang="ja-JP" altLang="en-US"/>
           </a:p>
@@ -3361,7 +3361,7 @@
           <a:p>
             <a:fld id="{724715FE-B674-476C-BF52-73267CFAC7F5}" type="datetimeFigureOut">
               <a:rPr kumimoji="1" lang="ja-JP" altLang="en-US" smtClean="0"/>
-              <a:t>2024/9/18</a:t>
+              <a:t>2024/9/20</a:t>
             </a:fld>
             <a:endParaRPr kumimoji="1" lang="ja-JP" altLang="en-US"/>
           </a:p>
@@ -3704,7 +3704,7 @@
           <a:p>
             <a:fld id="{724715FE-B674-476C-BF52-73267CFAC7F5}" type="datetimeFigureOut">
               <a:rPr kumimoji="1" lang="ja-JP" altLang="en-US" smtClean="0"/>
-              <a:t>2024/9/18</a:t>
+              <a:t>2024/9/20</a:t>
             </a:fld>
             <a:endParaRPr kumimoji="1" lang="ja-JP" altLang="en-US"/>
           </a:p>
@@ -3992,7 +3992,7 @@
           <a:p>
             <a:fld id="{724715FE-B674-476C-BF52-73267CFAC7F5}" type="datetimeFigureOut">
               <a:rPr kumimoji="1" lang="ja-JP" altLang="en-US" smtClean="0"/>
-              <a:t>2024/9/18</a:t>
+              <a:t>2024/9/20</a:t>
             </a:fld>
             <a:endParaRPr kumimoji="1" lang="ja-JP" altLang="en-US"/>
           </a:p>
@@ -4265,7 +4265,7 @@
           <a:p>
             <a:fld id="{724715FE-B674-476C-BF52-73267CFAC7F5}" type="datetimeFigureOut">
               <a:rPr kumimoji="1" lang="ja-JP" altLang="en-US" smtClean="0"/>
-              <a:t>2024/9/18</a:t>
+              <a:t>2024/9/20</a:t>
             </a:fld>
             <a:endParaRPr kumimoji="1" lang="ja-JP" altLang="en-US"/>
           </a:p>
@@ -5973,22 +5973,15 @@
           <a:p>
             <a:pPr algn="ctr"/>
             <a:r>
-              <a:rPr lang="ja-JP" altLang="en-US" sz="4400" b="1" dirty="0">
+              <a:rPr kumimoji="1" lang="ja-JP" altLang="en-US" sz="4400" b="1" dirty="0">
                 <a:solidFill>
                   <a:srgbClr val="460000"/>
                 </a:solidFill>
                 <a:latin typeface="HGS創英角ﾎﾟｯﾌﾟ体" panose="040B0A00000000000000" pitchFamily="50" charset="-128"/>
                 <a:ea typeface="HGS創英角ﾎﾟｯﾌﾟ体" panose="040B0A00000000000000" pitchFamily="50" charset="-128"/>
               </a:rPr>
-              <a:t>ご清聴ありがとうございました</a:t>
-            </a:r>
-            <a:endParaRPr kumimoji="1" lang="ja-JP" altLang="en-US" sz="4400" b="1" dirty="0">
-              <a:solidFill>
-                <a:srgbClr val="460000"/>
-              </a:solidFill>
-              <a:latin typeface="HGS創英角ﾎﾟｯﾌﾟ体" panose="040B0A00000000000000" pitchFamily="50" charset="-128"/>
-              <a:ea typeface="HGS創英角ﾎﾟｯﾌﾟ体" panose="040B0A00000000000000" pitchFamily="50" charset="-128"/>
-            </a:endParaRPr>
+              <a:t>製品 デモ</a:t>
+            </a:r>
           </a:p>
         </p:txBody>
       </p:sp>
